--- a/presentations/CosmosAIGraph-v2.pptx
+++ b/presentations/CosmosAIGraph-v2.pptx
@@ -275,7 +275,7 @@
           <a:p>
             <a:fld id="{1D36DD91-353E-44A9-8B3B-B0665B534353}" type="datetimeFigureOut">
               <a:rPr lang="en-US" smtClean="0"/>
-              <a:t>5/3/2024</a:t>
+              <a:t>5/6/2024</a:t>
             </a:fld>
             <a:endParaRPr lang="en-US"/>
           </a:p>
@@ -473,7 +473,7 @@
           <a:p>
             <a:fld id="{1D36DD91-353E-44A9-8B3B-B0665B534353}" type="datetimeFigureOut">
               <a:rPr lang="en-US" smtClean="0"/>
-              <a:t>5/3/2024</a:t>
+              <a:t>5/6/2024</a:t>
             </a:fld>
             <a:endParaRPr lang="en-US"/>
           </a:p>
@@ -681,7 +681,7 @@
           <a:p>
             <a:fld id="{1D36DD91-353E-44A9-8B3B-B0665B534353}" type="datetimeFigureOut">
               <a:rPr lang="en-US" smtClean="0"/>
-              <a:t>5/3/2024</a:t>
+              <a:t>5/6/2024</a:t>
             </a:fld>
             <a:endParaRPr lang="en-US"/>
           </a:p>
@@ -879,7 +879,7 @@
           <a:p>
             <a:fld id="{1D36DD91-353E-44A9-8B3B-B0665B534353}" type="datetimeFigureOut">
               <a:rPr lang="en-US" smtClean="0"/>
-              <a:t>5/3/2024</a:t>
+              <a:t>5/6/2024</a:t>
             </a:fld>
             <a:endParaRPr lang="en-US"/>
           </a:p>
@@ -1154,7 +1154,7 @@
           <a:p>
             <a:fld id="{1D36DD91-353E-44A9-8B3B-B0665B534353}" type="datetimeFigureOut">
               <a:rPr lang="en-US" smtClean="0"/>
-              <a:t>5/3/2024</a:t>
+              <a:t>5/6/2024</a:t>
             </a:fld>
             <a:endParaRPr lang="en-US"/>
           </a:p>
@@ -1419,7 +1419,7 @@
           <a:p>
             <a:fld id="{1D36DD91-353E-44A9-8B3B-B0665B534353}" type="datetimeFigureOut">
               <a:rPr lang="en-US" smtClean="0"/>
-              <a:t>5/3/2024</a:t>
+              <a:t>5/6/2024</a:t>
             </a:fld>
             <a:endParaRPr lang="en-US"/>
           </a:p>
@@ -1831,7 +1831,7 @@
           <a:p>
             <a:fld id="{1D36DD91-353E-44A9-8B3B-B0665B534353}" type="datetimeFigureOut">
               <a:rPr lang="en-US" smtClean="0"/>
-              <a:t>5/3/2024</a:t>
+              <a:t>5/6/2024</a:t>
             </a:fld>
             <a:endParaRPr lang="en-US"/>
           </a:p>
@@ -1972,7 +1972,7 @@
           <a:p>
             <a:fld id="{1D36DD91-353E-44A9-8B3B-B0665B534353}" type="datetimeFigureOut">
               <a:rPr lang="en-US" smtClean="0"/>
-              <a:t>5/3/2024</a:t>
+              <a:t>5/6/2024</a:t>
             </a:fld>
             <a:endParaRPr lang="en-US"/>
           </a:p>
@@ -2085,7 +2085,7 @@
           <a:p>
             <a:fld id="{1D36DD91-353E-44A9-8B3B-B0665B534353}" type="datetimeFigureOut">
               <a:rPr lang="en-US" smtClean="0"/>
-              <a:t>5/3/2024</a:t>
+              <a:t>5/6/2024</a:t>
             </a:fld>
             <a:endParaRPr lang="en-US"/>
           </a:p>
@@ -2396,7 +2396,7 @@
           <a:p>
             <a:fld id="{1D36DD91-353E-44A9-8B3B-B0665B534353}" type="datetimeFigureOut">
               <a:rPr lang="en-US" smtClean="0"/>
-              <a:t>5/3/2024</a:t>
+              <a:t>5/6/2024</a:t>
             </a:fld>
             <a:endParaRPr lang="en-US"/>
           </a:p>
@@ -2684,7 +2684,7 @@
           <a:p>
             <a:fld id="{1D36DD91-353E-44A9-8B3B-B0665B534353}" type="datetimeFigureOut">
               <a:rPr lang="en-US" smtClean="0"/>
-              <a:t>5/3/2024</a:t>
+              <a:t>5/6/2024</a:t>
             </a:fld>
             <a:endParaRPr lang="en-US"/>
           </a:p>
@@ -2925,7 +2925,7 @@
           <a:p>
             <a:fld id="{1D36DD91-353E-44A9-8B3B-B0665B534353}" type="datetimeFigureOut">
               <a:rPr lang="en-US" smtClean="0"/>
-              <a:t>5/3/2024</a:t>
+              <a:t>5/6/2024</a:t>
             </a:fld>
             <a:endParaRPr lang="en-US"/>
           </a:p>
@@ -4458,7 +4458,27 @@
             </a:pPr>
             <a:r>
               <a:rPr lang="en-US" dirty="0"/>
-              <a:t>Specifically Azure OpenAI, Chat-GPT, and Vector Search</a:t>
+              <a:t>Specifically </a:t>
+            </a:r>
+            <a:r>
+              <a:rPr lang="en-US" b="1" dirty="0"/>
+              <a:t>Azure OpenAI</a:t>
+            </a:r>
+            <a:r>
+              <a:rPr lang="en-US" dirty="0"/>
+              <a:t>, </a:t>
+            </a:r>
+            <a:r>
+              <a:rPr lang="en-US" b="1" dirty="0"/>
+              <a:t>Chat-GPT</a:t>
+            </a:r>
+            <a:r>
+              <a:rPr lang="en-US" dirty="0"/>
+              <a:t>, and </a:t>
+            </a:r>
+            <a:r>
+              <a:rPr lang="en-US" b="1" dirty="0"/>
+              <a:t>Vector Search</a:t>
             </a:r>
           </a:p>
           <a:p>
@@ -4711,10 +4731,17 @@
           <a:p>
             <a:pPr algn="l"/>
             <a:r>
+              <a:rPr lang="en-US" sz="3200" b="1" dirty="0"/>
+              <a:t>What is </a:t>
+            </a:r>
+            <a:r>
               <a:rPr lang="en-US" sz="3200" b="1" dirty="0" err="1"/>
               <a:t>CosmosAIGraph</a:t>
             </a:r>
-            <a:endParaRPr lang="en-US" sz="3200" b="1" dirty="0"/>
+            <a:r>
+              <a:rPr lang="en-US" sz="3200" b="1" dirty="0"/>
+              <a:t>?</a:t>
+            </a:r>
           </a:p>
         </p:txBody>
       </p:sp>
@@ -4804,10 +4831,7 @@
               <a:rPr lang="en-US" sz="2200" b="1" dirty="0"/>
               <a:t>Vector Search</a:t>
             </a:r>
-            <a:r>
-              <a:rPr lang="en-US" sz="2200" dirty="0"/>
-              <a:t>, “NoSQL”</a:t>
-            </a:r>
+            <a:endParaRPr lang="en-US" sz="2200" dirty="0"/>
           </a:p>
           <a:p>
             <a:pPr marL="800100" lvl="1" indent="-342900" algn="l">
@@ -5477,7 +5501,7 @@
             </a:pPr>
             <a:r>
               <a:rPr lang="en-US" sz="3800" dirty="0"/>
-              <a:t>Use typical NoSQL design patterns</a:t>
+              <a:t>Use typical NoSQL design patterns, JSON documents</a:t>
             </a:r>
           </a:p>
           <a:p>
@@ -5509,7 +5533,7 @@
             </a:pPr>
             <a:r>
               <a:rPr lang="en-US" sz="4200" b="1" dirty="0"/>
-              <a:t>Define your OWL Graph Schema</a:t>
+              <a:t>Define your Graph Schema</a:t>
             </a:r>
           </a:p>
           <a:p>
@@ -5591,7 +5615,7 @@
               <a:buChar char="•"/>
             </a:pPr>
             <a:r>
-              <a:rPr lang="en-US" sz="3800" dirty="0"/>
+              <a:rPr lang="en-US" sz="3800" b="1" i="1" dirty="0"/>
               <a:t>The graph is strictly an in-memory concept; it doesn’t exist on disk</a:t>
             </a:r>
           </a:p>

--- a/presentations/CosmosAIGraph-v2.pptx
+++ b/presentations/CosmosAIGraph-v2.pptx
@@ -4779,7 +4779,19 @@
             </a:pPr>
             <a:r>
               <a:rPr lang="en-US" dirty="0"/>
-              <a:t>It’s an open-source reusable design and set of reference implementations</a:t>
+              <a:t>It’s an </a:t>
+            </a:r>
+            <a:r>
+              <a:rPr lang="en-US" b="1" dirty="0"/>
+              <a:t>open-source</a:t>
+            </a:r>
+            <a:r>
+              <a:rPr lang="en-US" dirty="0"/>
+              <a:t> reusable design and set of </a:t>
+            </a:r>
+            <a:r>
+              <a:rPr lang="en-US" b="1" dirty="0"/>
+              <a:t>reference implementations</a:t>
             </a:r>
           </a:p>
           <a:p>
@@ -4995,8 +5007,16 @@
               <a:buChar char="•"/>
             </a:pPr>
             <a:r>
+              <a:rPr lang="en-US" b="1" dirty="0"/>
+              <a:t>RDF</a:t>
+            </a:r>
+            <a:r>
               <a:rPr lang="en-US" dirty="0"/>
-              <a:t>RDF is a standard industry solution for Knowledge Graphs</a:t>
+              <a:t> is a standard industry solution for </a:t>
+            </a:r>
+            <a:r>
+              <a:rPr lang="en-US" b="1" dirty="0"/>
+              <a:t>Knowledge Graphs</a:t>
             </a:r>
           </a:p>
           <a:p>

--- a/presentations/CosmosAIGraph-v2.pptx
+++ b/presentations/CosmosAIGraph-v2.pptx
@@ -4510,7 +4510,15 @@
             </a:pPr>
             <a:r>
               <a:rPr lang="en-US" dirty="0"/>
-              <a:t>These are the target workload for </a:t>
+              <a:t>These are the </a:t>
+            </a:r>
+            <a:r>
+              <a:rPr lang="en-US"/>
+              <a:t>target workloads </a:t>
+            </a:r>
+            <a:r>
+              <a:rPr lang="en-US" dirty="0"/>
+              <a:t>for </a:t>
             </a:r>
             <a:r>
               <a:rPr lang="en-US" dirty="0" err="1"/>
@@ -5316,7 +5324,7 @@
               <a:rPr lang="en-US" dirty="0">
                 <a:sym typeface="Wingdings" panose="05000000000000000000" pitchFamily="2" charset="2"/>
               </a:rPr>
-              <a:t> )</a:t>
+              <a:t> ). </a:t>
             </a:r>
           </a:p>
           <a:p>
@@ -5379,7 +5387,7 @@
               <a:rPr lang="en-US" dirty="0">
                 <a:sym typeface="Wingdings" panose="05000000000000000000" pitchFamily="2" charset="2"/>
               </a:rPr>
-              <a:t> – A python library that implements an in-memory RDF graph</a:t>
+              <a:t> – A python library that implements a mutable in-memory RDF graph</a:t>
             </a:r>
             <a:endParaRPr lang="en-US" dirty="0"/>
           </a:p>

--- a/presentations/CosmosAIGraph-v2.pptx
+++ b/presentations/CosmosAIGraph-v2.pptx
@@ -4431,7 +4431,7 @@
         </p:spPr>
         <p:txBody>
           <a:bodyPr>
-            <a:normAutofit fontScale="92500" lnSpcReduction="10000"/>
+            <a:normAutofit lnSpcReduction="10000"/>
           </a:bodyPr>
           <a:lstStyle/>
           <a:p>
@@ -4510,15 +4510,7 @@
             </a:pPr>
             <a:r>
               <a:rPr lang="en-US" dirty="0"/>
-              <a:t>These are the </a:t>
-            </a:r>
-            <a:r>
-              <a:rPr lang="en-US"/>
-              <a:t>target workloads </a:t>
-            </a:r>
-            <a:r>
-              <a:rPr lang="en-US" dirty="0"/>
-              <a:t>for </a:t>
+              <a:t>These are the target workloads for </a:t>
             </a:r>
             <a:r>
               <a:rPr lang="en-US" dirty="0" err="1"/>
@@ -4571,12 +4563,12 @@
               <a:buChar char="•"/>
             </a:pPr>
             <a:r>
-              <a:rPr lang="en-US" dirty="0">
+              <a:rPr lang="en-US" sz="1700" dirty="0">
                 <a:hlinkClick r:id="rId2"/>
               </a:rPr>
               <a:t>https://devblogs.microsoft.com/cosmosdb/altgraph-graph-workloads-with-azure-cosmos-db-for-nosql/</a:t>
             </a:r>
-            <a:endParaRPr lang="en-US" dirty="0"/>
+            <a:endParaRPr lang="en-US" sz="1700" dirty="0"/>
           </a:p>
           <a:p>
             <a:pPr marL="800100" lvl="1" indent="-342900" algn="l">

--- a/presentations/CosmosAIGraph-v2.pptx
+++ b/presentations/CosmosAIGraph-v2.pptx
@@ -11,17 +11,19 @@
     <p:sldId id="266" r:id="rId5"/>
     <p:sldId id="267" r:id="rId6"/>
     <p:sldId id="272" r:id="rId7"/>
-    <p:sldId id="268" r:id="rId8"/>
-    <p:sldId id="265" r:id="rId9"/>
-    <p:sldId id="261" r:id="rId10"/>
-    <p:sldId id="274" r:id="rId11"/>
-    <p:sldId id="273" r:id="rId12"/>
-    <p:sldId id="279" r:id="rId13"/>
-    <p:sldId id="281" r:id="rId14"/>
-    <p:sldId id="280" r:id="rId15"/>
-    <p:sldId id="282" r:id="rId16"/>
-    <p:sldId id="269" r:id="rId17"/>
-    <p:sldId id="264" r:id="rId18"/>
+    <p:sldId id="283" r:id="rId8"/>
+    <p:sldId id="284" r:id="rId9"/>
+    <p:sldId id="268" r:id="rId10"/>
+    <p:sldId id="261" r:id="rId11"/>
+    <p:sldId id="265" r:id="rId12"/>
+    <p:sldId id="274" r:id="rId13"/>
+    <p:sldId id="273" r:id="rId14"/>
+    <p:sldId id="279" r:id="rId15"/>
+    <p:sldId id="281" r:id="rId16"/>
+    <p:sldId id="280" r:id="rId17"/>
+    <p:sldId id="282" r:id="rId18"/>
+    <p:sldId id="269" r:id="rId19"/>
+    <p:sldId id="264" r:id="rId20"/>
   </p:sldIdLst>
   <p:sldSz cx="12192000" cy="6858000"/>
   <p:notesSz cx="7315200" cy="9601200"/>
@@ -275,7 +277,7 @@
           <a:p>
             <a:fld id="{1D36DD91-353E-44A9-8B3B-B0665B534353}" type="datetimeFigureOut">
               <a:rPr lang="en-US" smtClean="0"/>
-              <a:t>5/6/2024</a:t>
+              <a:t>5/28/2024</a:t>
             </a:fld>
             <a:endParaRPr lang="en-US"/>
           </a:p>
@@ -473,7 +475,7 @@
           <a:p>
             <a:fld id="{1D36DD91-353E-44A9-8B3B-B0665B534353}" type="datetimeFigureOut">
               <a:rPr lang="en-US" smtClean="0"/>
-              <a:t>5/6/2024</a:t>
+              <a:t>5/28/2024</a:t>
             </a:fld>
             <a:endParaRPr lang="en-US"/>
           </a:p>
@@ -681,7 +683,7 @@
           <a:p>
             <a:fld id="{1D36DD91-353E-44A9-8B3B-B0665B534353}" type="datetimeFigureOut">
               <a:rPr lang="en-US" smtClean="0"/>
-              <a:t>5/6/2024</a:t>
+              <a:t>5/28/2024</a:t>
             </a:fld>
             <a:endParaRPr lang="en-US"/>
           </a:p>
@@ -879,7 +881,7 @@
           <a:p>
             <a:fld id="{1D36DD91-353E-44A9-8B3B-B0665B534353}" type="datetimeFigureOut">
               <a:rPr lang="en-US" smtClean="0"/>
-              <a:t>5/6/2024</a:t>
+              <a:t>5/28/2024</a:t>
             </a:fld>
             <a:endParaRPr lang="en-US"/>
           </a:p>
@@ -1154,7 +1156,7 @@
           <a:p>
             <a:fld id="{1D36DD91-353E-44A9-8B3B-B0665B534353}" type="datetimeFigureOut">
               <a:rPr lang="en-US" smtClean="0"/>
-              <a:t>5/6/2024</a:t>
+              <a:t>5/28/2024</a:t>
             </a:fld>
             <a:endParaRPr lang="en-US"/>
           </a:p>
@@ -1419,7 +1421,7 @@
           <a:p>
             <a:fld id="{1D36DD91-353E-44A9-8B3B-B0665B534353}" type="datetimeFigureOut">
               <a:rPr lang="en-US" smtClean="0"/>
-              <a:t>5/6/2024</a:t>
+              <a:t>5/28/2024</a:t>
             </a:fld>
             <a:endParaRPr lang="en-US"/>
           </a:p>
@@ -1831,7 +1833,7 @@
           <a:p>
             <a:fld id="{1D36DD91-353E-44A9-8B3B-B0665B534353}" type="datetimeFigureOut">
               <a:rPr lang="en-US" smtClean="0"/>
-              <a:t>5/6/2024</a:t>
+              <a:t>5/28/2024</a:t>
             </a:fld>
             <a:endParaRPr lang="en-US"/>
           </a:p>
@@ -1972,7 +1974,7 @@
           <a:p>
             <a:fld id="{1D36DD91-353E-44A9-8B3B-B0665B534353}" type="datetimeFigureOut">
               <a:rPr lang="en-US" smtClean="0"/>
-              <a:t>5/6/2024</a:t>
+              <a:t>5/28/2024</a:t>
             </a:fld>
             <a:endParaRPr lang="en-US"/>
           </a:p>
@@ -2085,7 +2087,7 @@
           <a:p>
             <a:fld id="{1D36DD91-353E-44A9-8B3B-B0665B534353}" type="datetimeFigureOut">
               <a:rPr lang="en-US" smtClean="0"/>
-              <a:t>5/6/2024</a:t>
+              <a:t>5/28/2024</a:t>
             </a:fld>
             <a:endParaRPr lang="en-US"/>
           </a:p>
@@ -2396,7 +2398,7 @@
           <a:p>
             <a:fld id="{1D36DD91-353E-44A9-8B3B-B0665B534353}" type="datetimeFigureOut">
               <a:rPr lang="en-US" smtClean="0"/>
-              <a:t>5/6/2024</a:t>
+              <a:t>5/28/2024</a:t>
             </a:fld>
             <a:endParaRPr lang="en-US"/>
           </a:p>
@@ -2684,7 +2686,7 @@
           <a:p>
             <a:fld id="{1D36DD91-353E-44A9-8B3B-B0665B534353}" type="datetimeFigureOut">
               <a:rPr lang="en-US" smtClean="0"/>
-              <a:t>5/6/2024</a:t>
+              <a:t>5/28/2024</a:t>
             </a:fld>
             <a:endParaRPr lang="en-US"/>
           </a:p>
@@ -2925,7 +2927,7 @@
           <a:p>
             <a:fld id="{1D36DD91-353E-44A9-8B3B-B0665B534353}" type="datetimeFigureOut">
               <a:rPr lang="en-US" smtClean="0"/>
-              <a:t>5/6/2024</a:t>
+              <a:t>5/28/2024</a:t>
             </a:fld>
             <a:endParaRPr lang="en-US"/>
           </a:p>
@@ -3445,10 +3447,10 @@
       </p:grpSpPr>
       <p:sp>
         <p:nvSpPr>
-          <p:cNvPr id="2" name="Title 1">
-            <a:extLst>
-              <a:ext uri="{FF2B5EF4-FFF2-40B4-BE49-F238E27FC236}">
-                <a16:creationId xmlns:a16="http://schemas.microsoft.com/office/drawing/2014/main" id="{7F3BFA86-A602-2F28-20B8-D9ADEA8F0C96}"/>
+          <p:cNvPr id="4" name="Title 3">
+            <a:extLst>
+              <a:ext uri="{FF2B5EF4-FFF2-40B4-BE49-F238E27FC236}">
+                <a16:creationId xmlns:a16="http://schemas.microsoft.com/office/drawing/2014/main" id="{2C8CF36B-126A-47CC-AF71-064DC44C8CD7}"/>
               </a:ext>
             </a:extLst>
           </p:cNvPr>
@@ -3459,29 +3461,58 @@
             <p:ph type="ctrTitle"/>
           </p:nvPr>
         </p:nvSpPr>
+        <p:spPr/>
+        <p:txBody>
+          <a:bodyPr/>
+          <a:lstStyle/>
+          <a:p>
+            <a:r>
+              <a:rPr lang="en-US" dirty="0"/>
+              <a:t> </a:t>
+            </a:r>
+          </a:p>
+        </p:txBody>
+      </p:sp>
+      <p:pic>
+        <p:nvPicPr>
+          <p:cNvPr id="3" name="Picture 2" descr="A screenshot of a computer&#10;&#10;Description automatically generated">
+            <a:extLst>
+              <a:ext uri="{FF2B5EF4-FFF2-40B4-BE49-F238E27FC236}">
+                <a16:creationId xmlns:a16="http://schemas.microsoft.com/office/drawing/2014/main" id="{58A4AAAB-1D22-C8CE-157D-B9253C6F25A4}"/>
+              </a:ext>
+            </a:extLst>
+          </p:cNvPr>
+          <p:cNvPicPr>
+            <a:picLocks noChangeAspect="1"/>
+          </p:cNvPicPr>
+          <p:nvPr/>
+        </p:nvPicPr>
+        <p:blipFill>
+          <a:blip r:embed="rId2">
+            <a:extLst>
+              <a:ext uri="{28A0092B-C50C-407E-A947-70E740481C1C}">
+                <a14:useLocalDpi xmlns:a14="http://schemas.microsoft.com/office/drawing/2010/main" val="0"/>
+              </a:ext>
+            </a:extLst>
+          </a:blip>
+          <a:stretch>
+            <a:fillRect/>
+          </a:stretch>
+        </p:blipFill>
         <p:spPr>
           <a:xfrm>
-            <a:off x="145043" y="2844099"/>
-            <a:ext cx="11880894" cy="665863"/>
+            <a:off x="1591871" y="317320"/>
+            <a:ext cx="9008258" cy="6385286"/>
           </a:xfrm>
+          <a:prstGeom prst="rect">
+            <a:avLst/>
+          </a:prstGeom>
         </p:spPr>
-        <p:txBody>
-          <a:bodyPr>
-            <a:noAutofit/>
-          </a:bodyPr>
-          <a:lstStyle/>
-          <a:p>
-            <a:r>
-              <a:rPr lang="en-US" sz="4000" dirty="0"/>
-              <a:t>Web Application UI Screen Shots</a:t>
-            </a:r>
-          </a:p>
-        </p:txBody>
-      </p:sp>
+      </p:pic>
     </p:spTree>
     <p:extLst>
       <p:ext uri="{BB962C8B-B14F-4D97-AF65-F5344CB8AC3E}">
-        <p14:creationId xmlns:p14="http://schemas.microsoft.com/office/powerpoint/2010/main" val="550961185"/>
+        <p14:creationId xmlns:p14="http://schemas.microsoft.com/office/powerpoint/2010/main" val="3612097635"/>
       </p:ext>
     </p:extLst>
   </p:cSld>
@@ -3508,6 +3539,165 @@
           <a:chExt cx="0" cy="0"/>
         </a:xfrm>
       </p:grpSpPr>
+      <p:sp>
+        <p:nvSpPr>
+          <p:cNvPr id="4" name="Title 3">
+            <a:extLst>
+              <a:ext uri="{FF2B5EF4-FFF2-40B4-BE49-F238E27FC236}">
+                <a16:creationId xmlns:a16="http://schemas.microsoft.com/office/drawing/2014/main" id="{2C8CF36B-126A-47CC-AF71-064DC44C8CD7}"/>
+              </a:ext>
+            </a:extLst>
+          </p:cNvPr>
+          <p:cNvSpPr>
+            <a:spLocks noGrp="1"/>
+          </p:cNvSpPr>
+          <p:nvPr>
+            <p:ph type="ctrTitle"/>
+          </p:nvPr>
+        </p:nvSpPr>
+        <p:spPr/>
+        <p:txBody>
+          <a:bodyPr/>
+          <a:lstStyle/>
+          <a:p>
+            <a:r>
+              <a:rPr lang="en-US" dirty="0"/>
+              <a:t> </a:t>
+            </a:r>
+          </a:p>
+        </p:txBody>
+      </p:sp>
+      <p:pic>
+        <p:nvPicPr>
+          <p:cNvPr id="5" name="Picture 4" descr="A diagram of a company&#10;&#10;Description automatically generated">
+            <a:extLst>
+              <a:ext uri="{FF2B5EF4-FFF2-40B4-BE49-F238E27FC236}">
+                <a16:creationId xmlns:a16="http://schemas.microsoft.com/office/drawing/2014/main" id="{A2393A34-66EB-1E48-C092-ADC6A6F1E0DD}"/>
+              </a:ext>
+            </a:extLst>
+          </p:cNvPr>
+          <p:cNvPicPr>
+            <a:picLocks noChangeAspect="1"/>
+          </p:cNvPicPr>
+          <p:nvPr/>
+        </p:nvPicPr>
+        <p:blipFill>
+          <a:blip r:embed="rId2">
+            <a:extLst>
+              <a:ext uri="{28A0092B-C50C-407E-A947-70E740481C1C}">
+                <a14:useLocalDpi xmlns:a14="http://schemas.microsoft.com/office/drawing/2010/main" val="0"/>
+              </a:ext>
+            </a:extLst>
+          </a:blip>
+          <a:stretch>
+            <a:fillRect/>
+          </a:stretch>
+        </p:blipFill>
+        <p:spPr>
+          <a:xfrm>
+            <a:off x="1609725" y="384351"/>
+            <a:ext cx="8277225" cy="6317900"/>
+          </a:xfrm>
+          <a:prstGeom prst="rect">
+            <a:avLst/>
+          </a:prstGeom>
+        </p:spPr>
+      </p:pic>
+    </p:spTree>
+    <p:extLst>
+      <p:ext uri="{BB962C8B-B14F-4D97-AF65-F5344CB8AC3E}">
+        <p14:creationId xmlns:p14="http://schemas.microsoft.com/office/powerpoint/2010/main" val="1727041796"/>
+      </p:ext>
+    </p:extLst>
+  </p:cSld>
+  <p:clrMapOvr>
+    <a:masterClrMapping/>
+  </p:clrMapOvr>
+</p:sld>
+</file>
+
+<file path=ppt/slides/slide12.xml><?xml version="1.0" encoding="utf-8"?>
+<p:sld xmlns:a="http://schemas.openxmlformats.org/drawingml/2006/main" xmlns:r="http://schemas.openxmlformats.org/officeDocument/2006/relationships" xmlns:p="http://schemas.openxmlformats.org/presentationml/2006/main">
+  <p:cSld>
+    <p:spTree>
+      <p:nvGrpSpPr>
+        <p:cNvPr id="1" name=""/>
+        <p:cNvGrpSpPr/>
+        <p:nvPr/>
+      </p:nvGrpSpPr>
+      <p:grpSpPr>
+        <a:xfrm>
+          <a:off x="0" y="0"/>
+          <a:ext cx="0" cy="0"/>
+          <a:chOff x="0" y="0"/>
+          <a:chExt cx="0" cy="0"/>
+        </a:xfrm>
+      </p:grpSpPr>
+      <p:sp>
+        <p:nvSpPr>
+          <p:cNvPr id="2" name="Title 1">
+            <a:extLst>
+              <a:ext uri="{FF2B5EF4-FFF2-40B4-BE49-F238E27FC236}">
+                <a16:creationId xmlns:a16="http://schemas.microsoft.com/office/drawing/2014/main" id="{7F3BFA86-A602-2F28-20B8-D9ADEA8F0C96}"/>
+              </a:ext>
+            </a:extLst>
+          </p:cNvPr>
+          <p:cNvSpPr>
+            <a:spLocks noGrp="1"/>
+          </p:cNvSpPr>
+          <p:nvPr>
+            <p:ph type="ctrTitle"/>
+          </p:nvPr>
+        </p:nvSpPr>
+        <p:spPr>
+          <a:xfrm>
+            <a:off x="145043" y="2844099"/>
+            <a:ext cx="11880894" cy="665863"/>
+          </a:xfrm>
+        </p:spPr>
+        <p:txBody>
+          <a:bodyPr>
+            <a:noAutofit/>
+          </a:bodyPr>
+          <a:lstStyle/>
+          <a:p>
+            <a:r>
+              <a:rPr lang="en-US" sz="4000" dirty="0"/>
+              <a:t>Web Application UI Screen Shots</a:t>
+            </a:r>
+          </a:p>
+        </p:txBody>
+      </p:sp>
+    </p:spTree>
+    <p:extLst>
+      <p:ext uri="{BB962C8B-B14F-4D97-AF65-F5344CB8AC3E}">
+        <p14:creationId xmlns:p14="http://schemas.microsoft.com/office/powerpoint/2010/main" val="550961185"/>
+      </p:ext>
+    </p:extLst>
+  </p:cSld>
+  <p:clrMapOvr>
+    <a:masterClrMapping/>
+  </p:clrMapOvr>
+</p:sld>
+</file>
+
+<file path=ppt/slides/slide13.xml><?xml version="1.0" encoding="utf-8"?>
+<p:sld xmlns:a="http://schemas.openxmlformats.org/drawingml/2006/main" xmlns:r="http://schemas.openxmlformats.org/officeDocument/2006/relationships" xmlns:p="http://schemas.openxmlformats.org/presentationml/2006/main">
+  <p:cSld>
+    <p:spTree>
+      <p:nvGrpSpPr>
+        <p:cNvPr id="1" name=""/>
+        <p:cNvGrpSpPr/>
+        <p:nvPr/>
+      </p:nvGrpSpPr>
+      <p:grpSpPr>
+        <a:xfrm>
+          <a:off x="0" y="0"/>
+          <a:ext cx="0" cy="0"/>
+          <a:chOff x="0" y="0"/>
+          <a:chExt cx="0" cy="0"/>
+        </a:xfrm>
+      </p:grpSpPr>
       <p:pic>
         <p:nvPicPr>
           <p:cNvPr id="2" name="Picture 1">
@@ -3587,7 +3777,7 @@
 </p:sld>
 </file>
 
-<file path=ppt/slides/slide12.xml><?xml version="1.0" encoding="utf-8"?>
+<file path=ppt/slides/slide14.xml><?xml version="1.0" encoding="utf-8"?>
 <p:sld xmlns:a="http://schemas.openxmlformats.org/drawingml/2006/main" xmlns:r="http://schemas.openxmlformats.org/officeDocument/2006/relationships" xmlns:p="http://schemas.openxmlformats.org/presentationml/2006/main">
   <p:cSld>
     <p:spTree>
@@ -3683,7 +3873,7 @@
 </p:sld>
 </file>
 
-<file path=ppt/slides/slide13.xml><?xml version="1.0" encoding="utf-8"?>
+<file path=ppt/slides/slide15.xml><?xml version="1.0" encoding="utf-8"?>
 <p:sld xmlns:a="http://schemas.openxmlformats.org/drawingml/2006/main" xmlns:r="http://schemas.openxmlformats.org/officeDocument/2006/relationships" xmlns:p="http://schemas.openxmlformats.org/presentationml/2006/main">
   <p:cSld>
     <p:spTree>
@@ -3785,7 +3975,7 @@
 </p:sld>
 </file>
 
-<file path=ppt/slides/slide14.xml><?xml version="1.0" encoding="utf-8"?>
+<file path=ppt/slides/slide16.xml><?xml version="1.0" encoding="utf-8"?>
 <p:sld xmlns:a="http://schemas.openxmlformats.org/drawingml/2006/main" xmlns:r="http://schemas.openxmlformats.org/officeDocument/2006/relationships" xmlns:p="http://schemas.openxmlformats.org/presentationml/2006/main">
   <p:cSld>
     <p:spTree>
@@ -3886,7 +4076,7 @@
 </p:sld>
 </file>
 
-<file path=ppt/slides/slide15.xml><?xml version="1.0" encoding="utf-8"?>
+<file path=ppt/slides/slide17.xml><?xml version="1.0" encoding="utf-8"?>
 <p:sld xmlns:a="http://schemas.openxmlformats.org/drawingml/2006/main" xmlns:r="http://schemas.openxmlformats.org/officeDocument/2006/relationships" xmlns:p="http://schemas.openxmlformats.org/presentationml/2006/main">
   <p:cSld>
     <p:spTree>
@@ -3988,7 +4178,7 @@
 </p:sld>
 </file>
 
-<file path=ppt/slides/slide16.xml><?xml version="1.0" encoding="utf-8"?>
+<file path=ppt/slides/slide18.xml><?xml version="1.0" encoding="utf-8"?>
 <p:sld xmlns:a="http://schemas.openxmlformats.org/drawingml/2006/main" xmlns:r="http://schemas.openxmlformats.org/officeDocument/2006/relationships" xmlns:p="http://schemas.openxmlformats.org/presentationml/2006/main">
   <p:cSld>
     <p:spTree>
@@ -4289,7 +4479,7 @@
 </p:sld>
 </file>
 
-<file path=ppt/slides/slide17.xml><?xml version="1.0" encoding="utf-8"?>
+<file path=ppt/slides/slide19.xml><?xml version="1.0" encoding="utf-8"?>
 <p:sld xmlns:a="http://schemas.openxmlformats.org/drawingml/2006/main" xmlns:r="http://schemas.openxmlformats.org/officeDocument/2006/relationships" xmlns:p="http://schemas.openxmlformats.org/presentationml/2006/main">
   <p:cSld>
     <p:spTree>
@@ -6187,151 +6377,22 @@
           <a:p>
             <a:pPr algn="l"/>
             <a:r>
-              <a:rPr lang="en-US" sz="3200" b="1" dirty="0"/>
-              <a:t>Generative AI in </a:t>
-            </a:r>
-            <a:r>
               <a:rPr lang="en-US" sz="3200" b="1" dirty="0" err="1"/>
               <a:t>CosmosAIGraph</a:t>
             </a:r>
             <a:r>
               <a:rPr lang="en-US" sz="3200" b="1" dirty="0"/>
-              <a:t> – Web App Example</a:t>
-            </a:r>
-          </a:p>
-        </p:txBody>
-      </p:sp>
-      <p:sp>
-        <p:nvSpPr>
-          <p:cNvPr id="3" name="Subtitle 2">
-            <a:extLst>
-              <a:ext uri="{FF2B5EF4-FFF2-40B4-BE49-F238E27FC236}">
-                <a16:creationId xmlns:a16="http://schemas.microsoft.com/office/drawing/2014/main" id="{CAA1345A-ABF9-8E3F-FF04-417FEE8BC2A5}"/>
-              </a:ext>
-            </a:extLst>
-          </p:cNvPr>
-          <p:cNvSpPr>
-            <a:spLocks noGrp="1"/>
-          </p:cNvSpPr>
-          <p:nvPr>
-            <p:ph type="subTitle" idx="1"/>
-          </p:nvPr>
-        </p:nvSpPr>
-        <p:spPr>
-          <a:xfrm>
-            <a:off x="660827" y="1242646"/>
-            <a:ext cx="3680651" cy="4919950"/>
-          </a:xfrm>
-        </p:spPr>
-        <p:txBody>
-          <a:bodyPr>
-            <a:normAutofit lnSpcReduction="10000"/>
-          </a:bodyPr>
-          <a:lstStyle/>
-          <a:p>
-            <a:endParaRPr lang="en-US" dirty="0"/>
-          </a:p>
-          <a:p>
-            <a:pPr marL="342900" indent="-342900" algn="l">
-              <a:buFont typeface="Arial" panose="020B0604020202020204" pitchFamily="34" charset="0"/>
-              <a:buChar char="•"/>
-            </a:pPr>
-            <a:r>
-              <a:rPr lang="en-US" dirty="0"/>
-              <a:t>Uses Azure OpenAI, gpt-4, and the “RAG” pattern</a:t>
-            </a:r>
-          </a:p>
-          <a:p>
-            <a:pPr marL="342900" indent="-342900" algn="l">
-              <a:buFont typeface="Arial" panose="020B0604020202020204" pitchFamily="34" charset="0"/>
-              <a:buChar char="•"/>
-            </a:pPr>
-            <a:endParaRPr lang="en-US" dirty="0"/>
-          </a:p>
-          <a:p>
-            <a:pPr marL="342900" indent="-342900" algn="l">
-              <a:buFont typeface="Arial" panose="020B0604020202020204" pitchFamily="34" charset="0"/>
-              <a:buChar char="•"/>
-            </a:pPr>
-            <a:r>
-              <a:rPr lang="en-US" dirty="0"/>
-              <a:t>The OWL ontology is the “System Prompt”</a:t>
-            </a:r>
-          </a:p>
-          <a:p>
-            <a:pPr marL="342900" indent="-342900" algn="l">
-              <a:buFont typeface="Arial" panose="020B0604020202020204" pitchFamily="34" charset="0"/>
-              <a:buChar char="•"/>
-            </a:pPr>
-            <a:endParaRPr lang="en-US" dirty="0"/>
-          </a:p>
-          <a:p>
-            <a:pPr marL="342900" indent="-342900" algn="l">
-              <a:buFont typeface="Arial" panose="020B0604020202020204" pitchFamily="34" charset="0"/>
-              <a:buChar char="•"/>
-            </a:pPr>
-            <a:r>
-              <a:rPr lang="en-US" dirty="0"/>
-              <a:t>The Natural Language is the “User Prompt”</a:t>
-            </a:r>
-          </a:p>
-          <a:p>
-            <a:pPr marL="342900" indent="-342900" algn="l">
-              <a:buFont typeface="Arial" panose="020B0604020202020204" pitchFamily="34" charset="0"/>
-              <a:buChar char="•"/>
-            </a:pPr>
-            <a:endParaRPr lang="en-US" dirty="0"/>
-          </a:p>
-          <a:p>
-            <a:pPr marL="342900" indent="-342900" algn="l">
-              <a:buFont typeface="Arial" panose="020B0604020202020204" pitchFamily="34" charset="0"/>
-              <a:buChar char="•"/>
-            </a:pPr>
-            <a:r>
-              <a:rPr lang="en-US" dirty="0"/>
-              <a:t>The result is a working SPARQL query</a:t>
-            </a:r>
-          </a:p>
-          <a:p>
-            <a:pPr marL="342900" indent="-342900" algn="l">
-              <a:buFont typeface="Arial" panose="020B0604020202020204" pitchFamily="34" charset="0"/>
-              <a:buChar char="•"/>
-            </a:pPr>
-            <a:endParaRPr lang="en-US" dirty="0"/>
-          </a:p>
-          <a:p>
-            <a:pPr marL="800100" lvl="1" indent="-342900" algn="l">
-              <a:buFont typeface="Arial" panose="020B0604020202020204" pitchFamily="34" charset="0"/>
-              <a:buChar char="•"/>
-            </a:pPr>
-            <a:endParaRPr lang="en-US" dirty="0"/>
-          </a:p>
-          <a:p>
-            <a:pPr marL="800100" lvl="1" indent="-342900" algn="l">
-              <a:buFont typeface="Arial" panose="020B0604020202020204" pitchFamily="34" charset="0"/>
-              <a:buChar char="•"/>
-            </a:pPr>
-            <a:endParaRPr lang="en-US" dirty="0"/>
-          </a:p>
-          <a:p>
-            <a:pPr algn="l"/>
-            <a:endParaRPr lang="en-US" dirty="0"/>
-          </a:p>
-          <a:p>
-            <a:pPr algn="l"/>
-            <a:endParaRPr lang="en-US" dirty="0"/>
-          </a:p>
-          <a:p>
-            <a:endParaRPr lang="en-US" dirty="0"/>
+              <a:t> – Code Generation</a:t>
+            </a:r>
           </a:p>
         </p:txBody>
       </p:sp>
       <p:pic>
         <p:nvPicPr>
-          <p:cNvPr id="5" name="Picture 4">
-            <a:extLst>
-              <a:ext uri="{FF2B5EF4-FFF2-40B4-BE49-F238E27FC236}">
-                <a16:creationId xmlns:a16="http://schemas.microsoft.com/office/drawing/2014/main" id="{76E1F04B-40A1-60BE-FBE3-793BB57F5F79}"/>
+          <p:cNvPr id="9" name="Picture 8" descr="A screenshot of a computer&#10;&#10;Description automatically generated">
+            <a:extLst>
+              <a:ext uri="{FF2B5EF4-FFF2-40B4-BE49-F238E27FC236}">
+                <a16:creationId xmlns:a16="http://schemas.microsoft.com/office/drawing/2014/main" id="{02CD331E-7634-3BE9-11C4-1CFE3B061E6F}"/>
               </a:ext>
             </a:extLst>
           </p:cNvPr>
@@ -6341,15 +6402,21 @@
           <p:nvPr/>
         </p:nvPicPr>
         <p:blipFill>
-          <a:blip r:embed="rId2"/>
+          <a:blip r:embed="rId2">
+            <a:extLst>
+              <a:ext uri="{28A0092B-C50C-407E-A947-70E740481C1C}">
+                <a14:useLocalDpi xmlns:a14="http://schemas.microsoft.com/office/drawing/2010/main" val="0"/>
+              </a:ext>
+            </a:extLst>
+          </a:blip>
           <a:stretch>
             <a:fillRect/>
           </a:stretch>
         </p:blipFill>
         <p:spPr>
           <a:xfrm>
-            <a:off x="5743614" y="1301086"/>
-            <a:ext cx="5292249" cy="5297627"/>
+            <a:off x="1917559" y="1217544"/>
+            <a:ext cx="8356881" cy="5446642"/>
           </a:xfrm>
           <a:prstGeom prst="rect">
             <a:avLst/>
@@ -6359,7 +6426,7 @@
     </p:spTree>
     <p:extLst>
       <p:ext uri="{BB962C8B-B14F-4D97-AF65-F5344CB8AC3E}">
-        <p14:creationId xmlns:p14="http://schemas.microsoft.com/office/powerpoint/2010/main" val="3919334846"/>
+        <p14:creationId xmlns:p14="http://schemas.microsoft.com/office/powerpoint/2010/main" val="1259137023"/>
       </p:ext>
     </p:extLst>
   </p:cSld>
@@ -6388,10 +6455,10 @@
       </p:grpSpPr>
       <p:sp>
         <p:nvSpPr>
-          <p:cNvPr id="4" name="Title 3">
-            <a:extLst>
-              <a:ext uri="{FF2B5EF4-FFF2-40B4-BE49-F238E27FC236}">
-                <a16:creationId xmlns:a16="http://schemas.microsoft.com/office/drawing/2014/main" id="{2C8CF36B-126A-47CC-AF71-064DC44C8CD7}"/>
+          <p:cNvPr id="2" name="Title 1">
+            <a:extLst>
+              <a:ext uri="{FF2B5EF4-FFF2-40B4-BE49-F238E27FC236}">
+                <a16:creationId xmlns:a16="http://schemas.microsoft.com/office/drawing/2014/main" id="{7F3BFA86-A602-2F28-20B8-D9ADEA8F0C96}"/>
               </a:ext>
             </a:extLst>
           </p:cNvPr>
@@ -6402,58 +6469,263 @@
             <p:ph type="ctrTitle"/>
           </p:nvPr>
         </p:nvSpPr>
-        <p:spPr/>
-        <p:txBody>
-          <a:bodyPr/>
-          <a:lstStyle/>
-          <a:p>
-            <a:r>
-              <a:rPr lang="en-US" dirty="0"/>
-              <a:t> </a:t>
-            </a:r>
-          </a:p>
-        </p:txBody>
-      </p:sp>
-      <p:pic>
-        <p:nvPicPr>
-          <p:cNvPr id="5" name="Picture 4" descr="A diagram of a company&#10;&#10;Description automatically generated">
-            <a:extLst>
-              <a:ext uri="{FF2B5EF4-FFF2-40B4-BE49-F238E27FC236}">
-                <a16:creationId xmlns:a16="http://schemas.microsoft.com/office/drawing/2014/main" id="{A2393A34-66EB-1E48-C092-ADC6A6F1E0DD}"/>
-              </a:ext>
-            </a:extLst>
-          </p:cNvPr>
-          <p:cNvPicPr>
-            <a:picLocks noChangeAspect="1"/>
-          </p:cNvPicPr>
-          <p:nvPr/>
-        </p:nvPicPr>
-        <p:blipFill>
-          <a:blip r:embed="rId2">
-            <a:extLst>
-              <a:ext uri="{28A0092B-C50C-407E-A947-70E740481C1C}">
-                <a14:useLocalDpi xmlns:a14="http://schemas.microsoft.com/office/drawing/2010/main" val="0"/>
-              </a:ext>
-            </a:extLst>
-          </a:blip>
-          <a:stretch>
-            <a:fillRect/>
-          </a:stretch>
-        </p:blipFill>
         <p:spPr>
           <a:xfrm>
-            <a:off x="1609725" y="384351"/>
-            <a:ext cx="8277225" cy="6317900"/>
+            <a:off x="996382" y="504093"/>
+            <a:ext cx="9671618" cy="507145"/>
+          </a:xfrm>
+        </p:spPr>
+        <p:txBody>
+          <a:bodyPr>
+            <a:normAutofit fontScale="90000"/>
+          </a:bodyPr>
+          <a:lstStyle/>
+          <a:p>
+            <a:pPr algn="l"/>
+            <a:r>
+              <a:rPr lang="en-US" sz="3200" b="1" dirty="0" err="1"/>
+              <a:t>CosmosAIGraph</a:t>
+            </a:r>
+            <a:r>
+              <a:rPr lang="en-US" sz="3200" b="1" dirty="0"/>
+              <a:t> – Generative AI Use-Cases</a:t>
+            </a:r>
+          </a:p>
+        </p:txBody>
+      </p:sp>
+      <p:sp>
+        <p:nvSpPr>
+          <p:cNvPr id="3" name="TextBox 2">
+            <a:extLst>
+              <a:ext uri="{FF2B5EF4-FFF2-40B4-BE49-F238E27FC236}">
+                <a16:creationId xmlns:a16="http://schemas.microsoft.com/office/drawing/2014/main" id="{FF4E6CAB-05A4-FD8D-D377-C0C1EA7D3FED}"/>
+              </a:ext>
+            </a:extLst>
+          </p:cNvPr>
+          <p:cNvSpPr txBox="1"/>
+          <p:nvPr/>
+        </p:nvSpPr>
+        <p:spPr>
+          <a:xfrm>
+            <a:off x="1222514" y="1227483"/>
+            <a:ext cx="9635986" cy="5632311"/>
           </a:xfrm>
           <a:prstGeom prst="rect">
             <a:avLst/>
           </a:prstGeom>
+          <a:noFill/>
         </p:spPr>
-      </p:pic>
+        <p:txBody>
+          <a:bodyPr wrap="square" rtlCol="0">
+            <a:spAutoFit/>
+          </a:bodyPr>
+          <a:lstStyle/>
+          <a:p>
+            <a:pPr marL="285750" indent="-285750">
+              <a:buFont typeface="Arial" panose="020B0604020202020204" pitchFamily="34" charset="0"/>
+              <a:buChar char="•"/>
+            </a:pPr>
+            <a:r>
+              <a:rPr lang="en-US" b="1" dirty="0"/>
+              <a:t>Infer the “RAG Strategy” from User natural-language </a:t>
+            </a:r>
+          </a:p>
+          <a:p>
+            <a:pPr marL="800100" lvl="1" indent="-342900">
+              <a:buFont typeface="Arial" panose="020B0604020202020204" pitchFamily="34" charset="0"/>
+              <a:buChar char="•"/>
+            </a:pPr>
+            <a:r>
+              <a:rPr lang="en-US" dirty="0"/>
+              <a:t>Implements “LUIS-like” utterances, entities, and intents with OpenAI and a prompt</a:t>
+            </a:r>
+          </a:p>
+          <a:p>
+            <a:pPr marL="800100" lvl="1" indent="-342900">
+              <a:buFont typeface="Arial" panose="020B0604020202020204" pitchFamily="34" charset="0"/>
+              <a:buChar char="•"/>
+            </a:pPr>
+            <a:r>
+              <a:rPr lang="en-US" dirty="0"/>
+              <a:t>See class </a:t>
+            </a:r>
+            <a:r>
+              <a:rPr lang="en-US" dirty="0" err="1"/>
+              <a:t>StrategyBuilder#determine</a:t>
+            </a:r>
+            <a:endParaRPr lang="en-US" dirty="0"/>
+          </a:p>
+          <a:p>
+            <a:pPr marL="342900" indent="-342900" algn="l">
+              <a:buFont typeface="Arial" panose="020B0604020202020204" pitchFamily="34" charset="0"/>
+              <a:buChar char="•"/>
+            </a:pPr>
+            <a:endParaRPr lang="en-US" b="1" dirty="0"/>
+          </a:p>
+          <a:p>
+            <a:pPr marL="342900" indent="-342900" algn="l">
+              <a:buFont typeface="Arial" panose="020B0604020202020204" pitchFamily="34" charset="0"/>
+              <a:buChar char="•"/>
+            </a:pPr>
+            <a:r>
+              <a:rPr lang="en-US" b="1" dirty="0"/>
+              <a:t>Generate SPARQL Queries from User natural-language</a:t>
+            </a:r>
+          </a:p>
+          <a:p>
+            <a:pPr marL="800100" lvl="1" indent="-342900">
+              <a:buFont typeface="Arial" panose="020B0604020202020204" pitchFamily="34" charset="0"/>
+              <a:buChar char="•"/>
+            </a:pPr>
+            <a:r>
+              <a:rPr lang="en-US" dirty="0"/>
+              <a:t>Uses the OWL ontology as a system prompt</a:t>
+            </a:r>
+          </a:p>
+          <a:p>
+            <a:pPr marL="800100" lvl="1" indent="-342900">
+              <a:buFont typeface="Arial" panose="020B0604020202020204" pitchFamily="34" charset="0"/>
+              <a:buChar char="•"/>
+            </a:pPr>
+            <a:r>
+              <a:rPr lang="en-US" dirty="0"/>
+              <a:t>See </a:t>
+            </a:r>
+            <a:r>
+              <a:rPr lang="en-US" dirty="0" err="1"/>
+              <a:t>AIService#generate_sparql_from_user_prompt</a:t>
+            </a:r>
+            <a:endParaRPr lang="en-US" dirty="0"/>
+          </a:p>
+          <a:p>
+            <a:endParaRPr lang="en-US" dirty="0"/>
+          </a:p>
+          <a:p>
+            <a:pPr marL="342900" indent="-342900">
+              <a:buFont typeface="Arial" panose="020B0604020202020204" pitchFamily="34" charset="0"/>
+              <a:buChar char="•"/>
+            </a:pPr>
+            <a:r>
+              <a:rPr lang="en-US" dirty="0"/>
+              <a:t>Generate Python code to wrangle your input data into Cosmos DB Documents</a:t>
+            </a:r>
+          </a:p>
+          <a:p>
+            <a:pPr marL="800100" lvl="1" indent="-342900">
+              <a:buFont typeface="Arial" panose="020B0604020202020204" pitchFamily="34" charset="0"/>
+              <a:buChar char="•"/>
+            </a:pPr>
+            <a:r>
+              <a:rPr lang="en-US" dirty="0"/>
+              <a:t>Infer input schemas from CSV headers, JSON structure</a:t>
+            </a:r>
+          </a:p>
+          <a:p>
+            <a:pPr marL="800100" lvl="1" indent="-342900">
+              <a:buFont typeface="Arial" panose="020B0604020202020204" pitchFamily="34" charset="0"/>
+              <a:buChar char="•"/>
+            </a:pPr>
+            <a:r>
+              <a:rPr lang="en-US" dirty="0"/>
+              <a:t>Targets the defined OWL ontology</a:t>
+            </a:r>
+          </a:p>
+          <a:p>
+            <a:pPr marL="800100" lvl="1" indent="-342900">
+              <a:buFont typeface="Arial" panose="020B0604020202020204" pitchFamily="34" charset="0"/>
+              <a:buChar char="•"/>
+            </a:pPr>
+            <a:r>
+              <a:rPr lang="en-US" dirty="0"/>
+              <a:t>This is currently a work-in-progress</a:t>
+            </a:r>
+          </a:p>
+          <a:p>
+            <a:endParaRPr lang="en-US" dirty="0"/>
+          </a:p>
+          <a:p>
+            <a:pPr marL="342900" indent="-342900">
+              <a:buFont typeface="Arial" panose="020B0604020202020204" pitchFamily="34" charset="0"/>
+              <a:buChar char="•"/>
+            </a:pPr>
+            <a:r>
+              <a:rPr lang="en-US" dirty="0"/>
+              <a:t>You may have additional use-cases for your </a:t>
+            </a:r>
+            <a:r>
+              <a:rPr lang="en-US" dirty="0" err="1"/>
+              <a:t>CosmosAIGraph</a:t>
+            </a:r>
+            <a:r>
+              <a:rPr lang="en-US" dirty="0"/>
+              <a:t> application</a:t>
+            </a:r>
+          </a:p>
+          <a:p>
+            <a:pPr marL="342900" indent="-342900">
+              <a:buFont typeface="Arial" panose="020B0604020202020204" pitchFamily="34" charset="0"/>
+              <a:buChar char="•"/>
+            </a:pPr>
+            <a:endParaRPr lang="en-US" dirty="0"/>
+          </a:p>
+          <a:p>
+            <a:pPr marL="342900" indent="-342900">
+              <a:buFont typeface="Arial" panose="020B0604020202020204" pitchFamily="34" charset="0"/>
+              <a:buChar char="•"/>
+            </a:pPr>
+            <a:r>
+              <a:rPr lang="en-US" b="1" dirty="0"/>
+              <a:t>A note on Generative AI Skills:</a:t>
+            </a:r>
+          </a:p>
+          <a:p>
+            <a:pPr marL="342900" indent="-342900">
+              <a:buFont typeface="Arial" panose="020B0604020202020204" pitchFamily="34" charset="0"/>
+              <a:buChar char="•"/>
+            </a:pPr>
+            <a:r>
+              <a:rPr lang="en-US" dirty="0"/>
+              <a:t>See the O’Reilly Media “</a:t>
+            </a:r>
+            <a:r>
+              <a:rPr lang="en-US" b="1" u="sng" dirty="0"/>
+              <a:t>AI-Assisted Programming</a:t>
+            </a:r>
+            <a:r>
+              <a:rPr lang="en-US" dirty="0"/>
+              <a:t>” book, 2024</a:t>
+            </a:r>
+          </a:p>
+          <a:p>
+            <a:pPr marL="342900" indent="-342900">
+              <a:buFont typeface="Arial" panose="020B0604020202020204" pitchFamily="34" charset="0"/>
+              <a:buChar char="•"/>
+            </a:pPr>
+            <a:r>
+              <a:rPr lang="en-US" dirty="0"/>
+              <a:t>CEO:  “Now when I consider hiring a developer, I want to know how they leverage AI.”.</a:t>
+            </a:r>
+          </a:p>
+          <a:p>
+            <a:pPr marL="342900" indent="-342900">
+              <a:buFont typeface="Arial" panose="020B0604020202020204" pitchFamily="34" charset="0"/>
+              <a:buChar char="•"/>
+            </a:pPr>
+            <a:r>
+              <a:rPr lang="en-US" dirty="0"/>
+              <a:t>“Satya Nadella” …. “they are becoming standard issue for any developer…”.</a:t>
+            </a:r>
+            <a:endParaRPr lang="en-US" b="1" dirty="0"/>
+          </a:p>
+          <a:p>
+            <a:endParaRPr lang="en-US" dirty="0"/>
+          </a:p>
+        </p:txBody>
+      </p:sp>
     </p:spTree>
     <p:extLst>
       <p:ext uri="{BB962C8B-B14F-4D97-AF65-F5344CB8AC3E}">
-        <p14:creationId xmlns:p14="http://schemas.microsoft.com/office/powerpoint/2010/main" val="1727041796"/>
+        <p14:creationId xmlns:p14="http://schemas.microsoft.com/office/powerpoint/2010/main" val="1157718319"/>
       </p:ext>
     </p:extLst>
   </p:cSld>
@@ -6482,10 +6754,10 @@
       </p:grpSpPr>
       <p:sp>
         <p:nvSpPr>
-          <p:cNvPr id="4" name="Title 3">
-            <a:extLst>
-              <a:ext uri="{FF2B5EF4-FFF2-40B4-BE49-F238E27FC236}">
-                <a16:creationId xmlns:a16="http://schemas.microsoft.com/office/drawing/2014/main" id="{2C8CF36B-126A-47CC-AF71-064DC44C8CD7}"/>
+          <p:cNvPr id="2" name="Title 1">
+            <a:extLst>
+              <a:ext uri="{FF2B5EF4-FFF2-40B4-BE49-F238E27FC236}">
+                <a16:creationId xmlns:a16="http://schemas.microsoft.com/office/drawing/2014/main" id="{7F3BFA86-A602-2F28-20B8-D9ADEA8F0C96}"/>
               </a:ext>
             </a:extLst>
           </p:cNvPr>
@@ -6496,24 +6768,165 @@
             <p:ph type="ctrTitle"/>
           </p:nvPr>
         </p:nvSpPr>
-        <p:spPr/>
-        <p:txBody>
-          <a:bodyPr/>
-          <a:lstStyle/>
-          <a:p>
+        <p:spPr>
+          <a:xfrm>
+            <a:off x="996382" y="504093"/>
+            <a:ext cx="9671618" cy="507145"/>
+          </a:xfrm>
+        </p:spPr>
+        <p:txBody>
+          <a:bodyPr>
+            <a:normAutofit fontScale="90000"/>
+          </a:bodyPr>
+          <a:lstStyle/>
+          <a:p>
+            <a:pPr algn="l"/>
+            <a:r>
+              <a:rPr lang="en-US" sz="3200" b="1" dirty="0"/>
+              <a:t>Generative AI in </a:t>
+            </a:r>
+            <a:r>
+              <a:rPr lang="en-US" sz="3200" b="1" dirty="0" err="1"/>
+              <a:t>CosmosAIGraph</a:t>
+            </a:r>
+            <a:r>
+              <a:rPr lang="en-US" sz="3200" b="1" dirty="0"/>
+              <a:t> – Web App Example</a:t>
+            </a:r>
+          </a:p>
+        </p:txBody>
+      </p:sp>
+      <p:sp>
+        <p:nvSpPr>
+          <p:cNvPr id="3" name="Subtitle 2">
+            <a:extLst>
+              <a:ext uri="{FF2B5EF4-FFF2-40B4-BE49-F238E27FC236}">
+                <a16:creationId xmlns:a16="http://schemas.microsoft.com/office/drawing/2014/main" id="{CAA1345A-ABF9-8E3F-FF04-417FEE8BC2A5}"/>
+              </a:ext>
+            </a:extLst>
+          </p:cNvPr>
+          <p:cNvSpPr>
+            <a:spLocks noGrp="1"/>
+          </p:cNvSpPr>
+          <p:nvPr>
+            <p:ph type="subTitle" idx="1"/>
+          </p:nvPr>
+        </p:nvSpPr>
+        <p:spPr>
+          <a:xfrm>
+            <a:off x="660827" y="1242646"/>
+            <a:ext cx="3680651" cy="4919950"/>
+          </a:xfrm>
+        </p:spPr>
+        <p:txBody>
+          <a:bodyPr>
+            <a:normAutofit lnSpcReduction="10000"/>
+          </a:bodyPr>
+          <a:lstStyle/>
+          <a:p>
+            <a:endParaRPr lang="en-US" dirty="0"/>
+          </a:p>
+          <a:p>
+            <a:pPr marL="342900" indent="-342900" algn="l">
+              <a:buFont typeface="Arial" panose="020B0604020202020204" pitchFamily="34" charset="0"/>
+              <a:buChar char="•"/>
+            </a:pPr>
             <a:r>
               <a:rPr lang="en-US" dirty="0"/>
-              <a:t> </a:t>
-            </a:r>
+              <a:t>Uses Azure OpenAI, gpt-4, and the “RAG” pattern</a:t>
+            </a:r>
+          </a:p>
+          <a:p>
+            <a:pPr marL="342900" indent="-342900" algn="l">
+              <a:buFont typeface="Arial" panose="020B0604020202020204" pitchFamily="34" charset="0"/>
+              <a:buChar char="•"/>
+            </a:pPr>
+            <a:endParaRPr lang="en-US" dirty="0"/>
+          </a:p>
+          <a:p>
+            <a:pPr marL="342900" indent="-342900" algn="l">
+              <a:buFont typeface="Arial" panose="020B0604020202020204" pitchFamily="34" charset="0"/>
+              <a:buChar char="•"/>
+            </a:pPr>
+            <a:r>
+              <a:rPr lang="en-US" dirty="0"/>
+              <a:t>The OWL ontology is the “System Prompt”</a:t>
+            </a:r>
+          </a:p>
+          <a:p>
+            <a:pPr marL="342900" indent="-342900" algn="l">
+              <a:buFont typeface="Arial" panose="020B0604020202020204" pitchFamily="34" charset="0"/>
+              <a:buChar char="•"/>
+            </a:pPr>
+            <a:endParaRPr lang="en-US" dirty="0"/>
+          </a:p>
+          <a:p>
+            <a:pPr marL="342900" indent="-342900" algn="l">
+              <a:buFont typeface="Arial" panose="020B0604020202020204" pitchFamily="34" charset="0"/>
+              <a:buChar char="•"/>
+            </a:pPr>
+            <a:r>
+              <a:rPr lang="en-US" dirty="0"/>
+              <a:t>The Natural Language is the “User Prompt”</a:t>
+            </a:r>
+          </a:p>
+          <a:p>
+            <a:pPr marL="342900" indent="-342900" algn="l">
+              <a:buFont typeface="Arial" panose="020B0604020202020204" pitchFamily="34" charset="0"/>
+              <a:buChar char="•"/>
+            </a:pPr>
+            <a:endParaRPr lang="en-US" dirty="0"/>
+          </a:p>
+          <a:p>
+            <a:pPr marL="342900" indent="-342900" algn="l">
+              <a:buFont typeface="Arial" panose="020B0604020202020204" pitchFamily="34" charset="0"/>
+              <a:buChar char="•"/>
+            </a:pPr>
+            <a:r>
+              <a:rPr lang="en-US" dirty="0"/>
+              <a:t>The result is a working SPARQL query</a:t>
+            </a:r>
+          </a:p>
+          <a:p>
+            <a:pPr marL="342900" indent="-342900" algn="l">
+              <a:buFont typeface="Arial" panose="020B0604020202020204" pitchFamily="34" charset="0"/>
+              <a:buChar char="•"/>
+            </a:pPr>
+            <a:endParaRPr lang="en-US" dirty="0"/>
+          </a:p>
+          <a:p>
+            <a:pPr marL="800100" lvl="1" indent="-342900" algn="l">
+              <a:buFont typeface="Arial" panose="020B0604020202020204" pitchFamily="34" charset="0"/>
+              <a:buChar char="•"/>
+            </a:pPr>
+            <a:endParaRPr lang="en-US" dirty="0"/>
+          </a:p>
+          <a:p>
+            <a:pPr marL="800100" lvl="1" indent="-342900" algn="l">
+              <a:buFont typeface="Arial" panose="020B0604020202020204" pitchFamily="34" charset="0"/>
+              <a:buChar char="•"/>
+            </a:pPr>
+            <a:endParaRPr lang="en-US" dirty="0"/>
+          </a:p>
+          <a:p>
+            <a:pPr algn="l"/>
+            <a:endParaRPr lang="en-US" dirty="0"/>
+          </a:p>
+          <a:p>
+            <a:pPr algn="l"/>
+            <a:endParaRPr lang="en-US" dirty="0"/>
+          </a:p>
+          <a:p>
+            <a:endParaRPr lang="en-US" dirty="0"/>
           </a:p>
         </p:txBody>
       </p:sp>
       <p:pic>
         <p:nvPicPr>
-          <p:cNvPr id="5" name="Picture 4" descr="A screenshot of a computer&#10;&#10;Description automatically generated">
-            <a:extLst>
-              <a:ext uri="{FF2B5EF4-FFF2-40B4-BE49-F238E27FC236}">
-                <a16:creationId xmlns:a16="http://schemas.microsoft.com/office/drawing/2014/main" id="{77977E49-D60A-6533-2783-3C0000B23731}"/>
+          <p:cNvPr id="5" name="Picture 4">
+            <a:extLst>
+              <a:ext uri="{FF2B5EF4-FFF2-40B4-BE49-F238E27FC236}">
+                <a16:creationId xmlns:a16="http://schemas.microsoft.com/office/drawing/2014/main" id="{76E1F04B-40A1-60BE-FBE3-793BB57F5F79}"/>
               </a:ext>
             </a:extLst>
           </p:cNvPr>
@@ -6523,21 +6936,15 @@
           <p:nvPr/>
         </p:nvPicPr>
         <p:blipFill>
-          <a:blip r:embed="rId2">
-            <a:extLst>
-              <a:ext uri="{28A0092B-C50C-407E-A947-70E740481C1C}">
-                <a14:useLocalDpi xmlns:a14="http://schemas.microsoft.com/office/drawing/2010/main" val="0"/>
-              </a:ext>
-            </a:extLst>
-          </a:blip>
+          <a:blip r:embed="rId2"/>
           <a:stretch>
             <a:fillRect/>
           </a:stretch>
         </p:blipFill>
         <p:spPr>
           <a:xfrm>
-            <a:off x="1372364" y="481012"/>
-            <a:ext cx="9062104" cy="6262687"/>
+            <a:off x="5743614" y="1301086"/>
+            <a:ext cx="5292249" cy="5297627"/>
           </a:xfrm>
           <a:prstGeom prst="rect">
             <a:avLst/>
@@ -6547,7 +6954,7 @@
     </p:spTree>
     <p:extLst>
       <p:ext uri="{BB962C8B-B14F-4D97-AF65-F5344CB8AC3E}">
-        <p14:creationId xmlns:p14="http://schemas.microsoft.com/office/powerpoint/2010/main" val="3612097635"/>
+        <p14:creationId xmlns:p14="http://schemas.microsoft.com/office/powerpoint/2010/main" val="3919334846"/>
       </p:ext>
     </p:extLst>
   </p:cSld>

--- a/presentations/CosmosAIGraph-v2.pptx
+++ b/presentations/CosmosAIGraph-v2.pptx
@@ -277,7 +277,7 @@
           <a:p>
             <a:fld id="{1D36DD91-353E-44A9-8B3B-B0665B534353}" type="datetimeFigureOut">
               <a:rPr lang="en-US" smtClean="0"/>
-              <a:t>5/28/2024</a:t>
+              <a:t>6/13/2024</a:t>
             </a:fld>
             <a:endParaRPr lang="en-US"/>
           </a:p>
@@ -475,7 +475,7 @@
           <a:p>
             <a:fld id="{1D36DD91-353E-44A9-8B3B-B0665B534353}" type="datetimeFigureOut">
               <a:rPr lang="en-US" smtClean="0"/>
-              <a:t>5/28/2024</a:t>
+              <a:t>6/13/2024</a:t>
             </a:fld>
             <a:endParaRPr lang="en-US"/>
           </a:p>
@@ -683,7 +683,7 @@
           <a:p>
             <a:fld id="{1D36DD91-353E-44A9-8B3B-B0665B534353}" type="datetimeFigureOut">
               <a:rPr lang="en-US" smtClean="0"/>
-              <a:t>5/28/2024</a:t>
+              <a:t>6/13/2024</a:t>
             </a:fld>
             <a:endParaRPr lang="en-US"/>
           </a:p>
@@ -881,7 +881,7 @@
           <a:p>
             <a:fld id="{1D36DD91-353E-44A9-8B3B-B0665B534353}" type="datetimeFigureOut">
               <a:rPr lang="en-US" smtClean="0"/>
-              <a:t>5/28/2024</a:t>
+              <a:t>6/13/2024</a:t>
             </a:fld>
             <a:endParaRPr lang="en-US"/>
           </a:p>
@@ -1156,7 +1156,7 @@
           <a:p>
             <a:fld id="{1D36DD91-353E-44A9-8B3B-B0665B534353}" type="datetimeFigureOut">
               <a:rPr lang="en-US" smtClean="0"/>
-              <a:t>5/28/2024</a:t>
+              <a:t>6/13/2024</a:t>
             </a:fld>
             <a:endParaRPr lang="en-US"/>
           </a:p>
@@ -1421,7 +1421,7 @@
           <a:p>
             <a:fld id="{1D36DD91-353E-44A9-8B3B-B0665B534353}" type="datetimeFigureOut">
               <a:rPr lang="en-US" smtClean="0"/>
-              <a:t>5/28/2024</a:t>
+              <a:t>6/13/2024</a:t>
             </a:fld>
             <a:endParaRPr lang="en-US"/>
           </a:p>
@@ -1833,7 +1833,7 @@
           <a:p>
             <a:fld id="{1D36DD91-353E-44A9-8B3B-B0665B534353}" type="datetimeFigureOut">
               <a:rPr lang="en-US" smtClean="0"/>
-              <a:t>5/28/2024</a:t>
+              <a:t>6/13/2024</a:t>
             </a:fld>
             <a:endParaRPr lang="en-US"/>
           </a:p>
@@ -1974,7 +1974,7 @@
           <a:p>
             <a:fld id="{1D36DD91-353E-44A9-8B3B-B0665B534353}" type="datetimeFigureOut">
               <a:rPr lang="en-US" smtClean="0"/>
-              <a:t>5/28/2024</a:t>
+              <a:t>6/13/2024</a:t>
             </a:fld>
             <a:endParaRPr lang="en-US"/>
           </a:p>
@@ -2087,7 +2087,7 @@
           <a:p>
             <a:fld id="{1D36DD91-353E-44A9-8B3B-B0665B534353}" type="datetimeFigureOut">
               <a:rPr lang="en-US" smtClean="0"/>
-              <a:t>5/28/2024</a:t>
+              <a:t>6/13/2024</a:t>
             </a:fld>
             <a:endParaRPr lang="en-US"/>
           </a:p>
@@ -2398,7 +2398,7 @@
           <a:p>
             <a:fld id="{1D36DD91-353E-44A9-8B3B-B0665B534353}" type="datetimeFigureOut">
               <a:rPr lang="en-US" smtClean="0"/>
-              <a:t>5/28/2024</a:t>
+              <a:t>6/13/2024</a:t>
             </a:fld>
             <a:endParaRPr lang="en-US"/>
           </a:p>
@@ -2686,7 +2686,7 @@
           <a:p>
             <a:fld id="{1D36DD91-353E-44A9-8B3B-B0665B534353}" type="datetimeFigureOut">
               <a:rPr lang="en-US" smtClean="0"/>
-              <a:t>5/28/2024</a:t>
+              <a:t>6/13/2024</a:t>
             </a:fld>
             <a:endParaRPr lang="en-US"/>
           </a:p>
@@ -2927,7 +2927,7 @@
           <a:p>
             <a:fld id="{1D36DD91-353E-44A9-8B3B-B0665B534353}" type="datetimeFigureOut">
               <a:rPr lang="en-US" smtClean="0"/>
-              <a:t>5/28/2024</a:t>
+              <a:t>6/13/2024</a:t>
             </a:fld>
             <a:endParaRPr lang="en-US"/>
           </a:p>
@@ -3398,8 +3398,8 @@
         </p:nvSpPr>
         <p:spPr>
           <a:xfrm>
-            <a:off x="1656430" y="4559386"/>
-            <a:ext cx="9144000" cy="517109"/>
+            <a:off x="1656430" y="4354831"/>
+            <a:ext cx="9144000" cy="1325880"/>
           </a:xfrm>
         </p:spPr>
         <p:txBody>
@@ -3412,6 +3412,30 @@
               <a:rPr lang="en-US" dirty="0"/>
               <a:t>Americas Cosmos DB Global Black Belt (GBB) Team, Microsoft</a:t>
             </a:r>
+          </a:p>
+          <a:p>
+            <a:endParaRPr lang="en-US" dirty="0"/>
+          </a:p>
+          <a:p>
+            <a:r>
+              <a:rPr lang="en-US" sz="2000" dirty="0"/>
+              <a:t>Public GitHub Repository: </a:t>
+            </a:r>
+            <a:r>
+              <a:rPr lang="en-US" sz="2000" b="1" dirty="0"/>
+              <a:t>aka.ms/</a:t>
+            </a:r>
+            <a:r>
+              <a:rPr lang="en-US" sz="2000" b="1" dirty="0" err="1"/>
+              <a:t>caig</a:t>
+            </a:r>
+            <a:endParaRPr lang="en-US" sz="2000" dirty="0"/>
+          </a:p>
+          <a:p>
+            <a:endParaRPr lang="en-US" dirty="0"/>
+          </a:p>
+          <a:p>
+            <a:endParaRPr lang="en-US" dirty="0"/>
           </a:p>
         </p:txBody>
       </p:sp>
@@ -4909,13 +4933,13 @@
         </p:nvSpPr>
         <p:spPr>
           <a:xfrm>
-            <a:off x="1014292" y="504093"/>
-            <a:ext cx="9653707" cy="507145"/>
+            <a:off x="1014292" y="383059"/>
+            <a:ext cx="9653707" cy="628179"/>
           </a:xfrm>
         </p:spPr>
         <p:txBody>
           <a:bodyPr>
-            <a:normAutofit fontScale="90000"/>
+            <a:normAutofit/>
           </a:bodyPr>
           <a:lstStyle/>
           <a:p>
@@ -4953,13 +4977,13 @@
         </p:nvSpPr>
         <p:spPr>
           <a:xfrm>
-            <a:off x="621126" y="1372333"/>
-            <a:ext cx="11223212" cy="4981574"/>
+            <a:off x="621126" y="1093573"/>
+            <a:ext cx="11223212" cy="5585254"/>
           </a:xfrm>
         </p:spPr>
         <p:txBody>
           <a:bodyPr>
-            <a:normAutofit fontScale="92500" lnSpcReduction="20000"/>
+            <a:normAutofit lnSpcReduction="10000"/>
           </a:bodyPr>
           <a:lstStyle/>
           <a:p>
@@ -5144,52 +5168,12 @@
             </a:pPr>
             <a:r>
               <a:rPr lang="en-US" sz="2200" dirty="0"/>
-              <a:t>Also supports </a:t>
+              <a:t>It supports </a:t>
             </a:r>
             <a:r>
               <a:rPr lang="en-US" sz="2200" b="1" dirty="0"/>
-              <a:t>Generative AI</a:t>
-            </a:r>
-          </a:p>
-          <a:p>
-            <a:pPr marL="800100" lvl="1" indent="-342900" algn="l">
-              <a:buFont typeface="Arial" panose="020B0604020202020204" pitchFamily="34" charset="0"/>
-              <a:buChar char="•"/>
-            </a:pPr>
-            <a:r>
-              <a:rPr lang="en-US" sz="2200" dirty="0"/>
-              <a:t>Public repo:  </a:t>
-            </a:r>
-            <a:r>
-              <a:rPr lang="en-US" sz="2200" b="1" dirty="0"/>
-              <a:t>aka.ms/</a:t>
-            </a:r>
-            <a:r>
-              <a:rPr lang="en-US" sz="2200" b="1" dirty="0" err="1"/>
-              <a:t>caig</a:t>
-            </a:r>
-            <a:r>
-              <a:rPr lang="en-US" sz="2200" b="1" dirty="0"/>
-              <a:t> </a:t>
-            </a:r>
-            <a:r>
-              <a:rPr lang="en-US" sz="2200" dirty="0"/>
-              <a:t>or </a:t>
-            </a:r>
-            <a:r>
-              <a:rPr lang="en-US" sz="2200" dirty="0">
-                <a:hlinkClick r:id="rId2"/>
-              </a:rPr>
-              <a:t>https://github.com/cjoakim/CosmosAIGraph</a:t>
-            </a:r>
-            <a:endParaRPr lang="en-US" sz="2200" dirty="0"/>
-          </a:p>
-          <a:p>
-            <a:pPr marL="800100" lvl="1" indent="-342900" algn="l">
-              <a:buFont typeface="Arial" panose="020B0604020202020204" pitchFamily="34" charset="0"/>
-              <a:buChar char="•"/>
-            </a:pPr>
-            <a:endParaRPr lang="en-US" sz="2200" dirty="0"/>
+              <a:t>Generative AI for dynamic application and AI logic</a:t>
+            </a:r>
           </a:p>
           <a:p>
             <a:pPr marL="342900" indent="-342900" algn="l">
@@ -5216,7 +5200,15 @@
             </a:pPr>
             <a:r>
               <a:rPr lang="en-US" dirty="0"/>
-              <a:t>Offers a simplified deployment architecture with just one DB: </a:t>
+              <a:t>Offers a </a:t>
+            </a:r>
+            <a:r>
+              <a:rPr lang="en-US" b="1" dirty="0"/>
+              <a:t>simplified architecture </a:t>
+            </a:r>
+            <a:r>
+              <a:rPr lang="en-US" dirty="0"/>
+              <a:t>with just one DB: </a:t>
             </a:r>
             <a:r>
               <a:rPr lang="en-US" b="1" dirty="0"/>
@@ -5248,6 +5240,20 @@
                 </a:solidFill>
               </a:rPr>
               <a:t>Hybrid RAG</a:t>
+            </a:r>
+          </a:p>
+          <a:p>
+            <a:pPr marL="800100" lvl="1" indent="-342900" algn="l">
+              <a:buFont typeface="Arial" panose="020B0604020202020204" pitchFamily="34" charset="0"/>
+              <a:buChar char="•"/>
+            </a:pPr>
+            <a:r>
+              <a:rPr lang="en-US" sz="2200" b="1" i="1" dirty="0"/>
+              <a:t>Why Hybrid RAG?  </a:t>
+            </a:r>
+            <a:r>
+              <a:rPr lang="en-US" sz="2200" dirty="0"/>
+              <a:t>Because vector search doesn’t always return the best results</a:t>
             </a:r>
           </a:p>
           <a:p>
@@ -5376,7 +5382,7 @@
             </a:pPr>
             <a:r>
               <a:rPr lang="en-US" dirty="0"/>
-              <a:t>A set of W3C standards</a:t>
+              <a:t>A set of W3C standards.   Mature, ~ 20 years old</a:t>
             </a:r>
           </a:p>
           <a:p>
@@ -5417,7 +5423,15 @@
             </a:pPr>
             <a:r>
               <a:rPr lang="en-US" dirty="0"/>
-              <a:t>An XML syntax to define the Classes and </a:t>
+              <a:t>An </a:t>
+            </a:r>
+            <a:r>
+              <a:rPr lang="en-US" b="1" dirty="0"/>
+              <a:t>XML</a:t>
+            </a:r>
+            <a:r>
+              <a:rPr lang="en-US" dirty="0"/>
+              <a:t> syntax to define the Classes and </a:t>
             </a:r>
             <a:r>
               <a:rPr lang="en-US" dirty="0" err="1"/>
@@ -5506,7 +5520,19 @@
               <a:rPr lang="en-US" dirty="0">
                 <a:sym typeface="Wingdings" panose="05000000000000000000" pitchFamily="2" charset="2"/>
               </a:rPr>
-              <a:t> ). </a:t>
+              <a:t> ) </a:t>
+            </a:r>
+          </a:p>
+          <a:p>
+            <a:pPr marL="800100" lvl="1" indent="-342900" algn="l">
+              <a:buFont typeface="Arial" panose="020B0604020202020204" pitchFamily="34" charset="0"/>
+              <a:buChar char="•"/>
+            </a:pPr>
+            <a:r>
+              <a:rPr lang="en-US" b="1" dirty="0">
+                <a:sym typeface="Wingdings" panose="05000000000000000000" pitchFamily="2" charset="2"/>
+              </a:rPr>
+              <a:t>An RDF graph consists of many of these simple triples, plus an ontology</a:t>
             </a:r>
           </a:p>
           <a:p>
@@ -5518,7 +5544,7 @@
               <a:rPr lang="en-US" dirty="0">
                 <a:sym typeface="Wingdings" panose="05000000000000000000" pitchFamily="2" charset="2"/>
               </a:rPr>
-              <a:t>A RDF graph consists of many of these simple triples, plus an ontology.  Conceptually simple</a:t>
+              <a:t>Conceptually simple</a:t>
             </a:r>
           </a:p>
           <a:p>
@@ -5569,9 +5595,15 @@
               <a:rPr lang="en-US" dirty="0">
                 <a:sym typeface="Wingdings" panose="05000000000000000000" pitchFamily="2" charset="2"/>
               </a:rPr>
-              <a:t> – A python library that implements a mutable in-memory RDF graph</a:t>
-            </a:r>
-            <a:endParaRPr lang="en-US" dirty="0"/>
+              <a:t> – A python library that </a:t>
+            </a:r>
+            <a:r>
+              <a:rPr lang="en-US" b="1" dirty="0">
+                <a:sym typeface="Wingdings" panose="05000000000000000000" pitchFamily="2" charset="2"/>
+              </a:rPr>
+              <a:t>implements a mutable in-memory RDF graph</a:t>
+            </a:r>
+            <a:endParaRPr lang="en-US" b="1" dirty="0"/>
           </a:p>
           <a:p>
             <a:pPr algn="l"/>

--- a/presentations/CosmosAIGraph-v2.pptx
+++ b/presentations/CosmosAIGraph-v2.pptx
@@ -277,7 +277,7 @@
           <a:p>
             <a:fld id="{1D36DD91-353E-44A9-8B3B-B0665B534353}" type="datetimeFigureOut">
               <a:rPr lang="en-US" smtClean="0"/>
-              <a:t>6/13/2024</a:t>
+              <a:t>6/24/2024</a:t>
             </a:fld>
             <a:endParaRPr lang="en-US"/>
           </a:p>
@@ -475,7 +475,7 @@
           <a:p>
             <a:fld id="{1D36DD91-353E-44A9-8B3B-B0665B534353}" type="datetimeFigureOut">
               <a:rPr lang="en-US" smtClean="0"/>
-              <a:t>6/13/2024</a:t>
+              <a:t>6/24/2024</a:t>
             </a:fld>
             <a:endParaRPr lang="en-US"/>
           </a:p>
@@ -683,7 +683,7 @@
           <a:p>
             <a:fld id="{1D36DD91-353E-44A9-8B3B-B0665B534353}" type="datetimeFigureOut">
               <a:rPr lang="en-US" smtClean="0"/>
-              <a:t>6/13/2024</a:t>
+              <a:t>6/24/2024</a:t>
             </a:fld>
             <a:endParaRPr lang="en-US"/>
           </a:p>
@@ -881,7 +881,7 @@
           <a:p>
             <a:fld id="{1D36DD91-353E-44A9-8B3B-B0665B534353}" type="datetimeFigureOut">
               <a:rPr lang="en-US" smtClean="0"/>
-              <a:t>6/13/2024</a:t>
+              <a:t>6/24/2024</a:t>
             </a:fld>
             <a:endParaRPr lang="en-US"/>
           </a:p>
@@ -1156,7 +1156,7 @@
           <a:p>
             <a:fld id="{1D36DD91-353E-44A9-8B3B-B0665B534353}" type="datetimeFigureOut">
               <a:rPr lang="en-US" smtClean="0"/>
-              <a:t>6/13/2024</a:t>
+              <a:t>6/24/2024</a:t>
             </a:fld>
             <a:endParaRPr lang="en-US"/>
           </a:p>
@@ -1421,7 +1421,7 @@
           <a:p>
             <a:fld id="{1D36DD91-353E-44A9-8B3B-B0665B534353}" type="datetimeFigureOut">
               <a:rPr lang="en-US" smtClean="0"/>
-              <a:t>6/13/2024</a:t>
+              <a:t>6/24/2024</a:t>
             </a:fld>
             <a:endParaRPr lang="en-US"/>
           </a:p>
@@ -1833,7 +1833,7 @@
           <a:p>
             <a:fld id="{1D36DD91-353E-44A9-8B3B-B0665B534353}" type="datetimeFigureOut">
               <a:rPr lang="en-US" smtClean="0"/>
-              <a:t>6/13/2024</a:t>
+              <a:t>6/24/2024</a:t>
             </a:fld>
             <a:endParaRPr lang="en-US"/>
           </a:p>
@@ -1974,7 +1974,7 @@
           <a:p>
             <a:fld id="{1D36DD91-353E-44A9-8B3B-B0665B534353}" type="datetimeFigureOut">
               <a:rPr lang="en-US" smtClean="0"/>
-              <a:t>6/13/2024</a:t>
+              <a:t>6/24/2024</a:t>
             </a:fld>
             <a:endParaRPr lang="en-US"/>
           </a:p>
@@ -2087,7 +2087,7 @@
           <a:p>
             <a:fld id="{1D36DD91-353E-44A9-8B3B-B0665B534353}" type="datetimeFigureOut">
               <a:rPr lang="en-US" smtClean="0"/>
-              <a:t>6/13/2024</a:t>
+              <a:t>6/24/2024</a:t>
             </a:fld>
             <a:endParaRPr lang="en-US"/>
           </a:p>
@@ -2398,7 +2398,7 @@
           <a:p>
             <a:fld id="{1D36DD91-353E-44A9-8B3B-B0665B534353}" type="datetimeFigureOut">
               <a:rPr lang="en-US" smtClean="0"/>
-              <a:t>6/13/2024</a:t>
+              <a:t>6/24/2024</a:t>
             </a:fld>
             <a:endParaRPr lang="en-US"/>
           </a:p>
@@ -2686,7 +2686,7 @@
           <a:p>
             <a:fld id="{1D36DD91-353E-44A9-8B3B-B0665B534353}" type="datetimeFigureOut">
               <a:rPr lang="en-US" smtClean="0"/>
-              <a:t>6/13/2024</a:t>
+              <a:t>6/24/2024</a:t>
             </a:fld>
             <a:endParaRPr lang="en-US"/>
           </a:p>
@@ -2927,7 +2927,7 @@
           <a:p>
             <a:fld id="{1D36DD91-353E-44A9-8B3B-B0665B534353}" type="datetimeFigureOut">
               <a:rPr lang="en-US" smtClean="0"/>
-              <a:t>6/13/2024</a:t>
+              <a:t>6/24/2024</a:t>
             </a:fld>
             <a:endParaRPr lang="en-US"/>
           </a:p>
@@ -3404,7 +3404,7 @@
         </p:spPr>
         <p:txBody>
           <a:bodyPr>
-            <a:normAutofit/>
+            <a:normAutofit fontScale="85000" lnSpcReduction="20000"/>
           </a:bodyPr>
           <a:lstStyle/>
           <a:p>
@@ -3429,7 +3429,13 @@
               <a:rPr lang="en-US" sz="2000" b="1" dirty="0" err="1"/>
               <a:t>caig</a:t>
             </a:r>
-            <a:endParaRPr lang="en-US" sz="2000" dirty="0"/>
+            <a:endParaRPr lang="en-US" sz="2000" b="1" dirty="0"/>
+          </a:p>
+          <a:p>
+            <a:r>
+              <a:rPr lang="en-US" sz="2000" dirty="0"/>
+              <a:t>Video: https://www.youtube.com/watch?v=0alvRmEgIpQ</a:t>
+            </a:r>
           </a:p>
           <a:p>
             <a:endParaRPr lang="en-US" dirty="0"/>

--- a/presentations/CosmosAIGraph-v2.pptx
+++ b/presentations/CosmosAIGraph-v2.pptx
@@ -277,7 +277,7 @@
           <a:p>
             <a:fld id="{1D36DD91-353E-44A9-8B3B-B0665B534353}" type="datetimeFigureOut">
               <a:rPr lang="en-US" smtClean="0"/>
-              <a:t>6/24/2024</a:t>
+              <a:t>7/19/2024</a:t>
             </a:fld>
             <a:endParaRPr lang="en-US"/>
           </a:p>
@@ -475,7 +475,7 @@
           <a:p>
             <a:fld id="{1D36DD91-353E-44A9-8B3B-B0665B534353}" type="datetimeFigureOut">
               <a:rPr lang="en-US" smtClean="0"/>
-              <a:t>6/24/2024</a:t>
+              <a:t>7/19/2024</a:t>
             </a:fld>
             <a:endParaRPr lang="en-US"/>
           </a:p>
@@ -683,7 +683,7 @@
           <a:p>
             <a:fld id="{1D36DD91-353E-44A9-8B3B-B0665B534353}" type="datetimeFigureOut">
               <a:rPr lang="en-US" smtClean="0"/>
-              <a:t>6/24/2024</a:t>
+              <a:t>7/19/2024</a:t>
             </a:fld>
             <a:endParaRPr lang="en-US"/>
           </a:p>
@@ -881,7 +881,7 @@
           <a:p>
             <a:fld id="{1D36DD91-353E-44A9-8B3B-B0665B534353}" type="datetimeFigureOut">
               <a:rPr lang="en-US" smtClean="0"/>
-              <a:t>6/24/2024</a:t>
+              <a:t>7/19/2024</a:t>
             </a:fld>
             <a:endParaRPr lang="en-US"/>
           </a:p>
@@ -1156,7 +1156,7 @@
           <a:p>
             <a:fld id="{1D36DD91-353E-44A9-8B3B-B0665B534353}" type="datetimeFigureOut">
               <a:rPr lang="en-US" smtClean="0"/>
-              <a:t>6/24/2024</a:t>
+              <a:t>7/19/2024</a:t>
             </a:fld>
             <a:endParaRPr lang="en-US"/>
           </a:p>
@@ -1421,7 +1421,7 @@
           <a:p>
             <a:fld id="{1D36DD91-353E-44A9-8B3B-B0665B534353}" type="datetimeFigureOut">
               <a:rPr lang="en-US" smtClean="0"/>
-              <a:t>6/24/2024</a:t>
+              <a:t>7/19/2024</a:t>
             </a:fld>
             <a:endParaRPr lang="en-US"/>
           </a:p>
@@ -1833,7 +1833,7 @@
           <a:p>
             <a:fld id="{1D36DD91-353E-44A9-8B3B-B0665B534353}" type="datetimeFigureOut">
               <a:rPr lang="en-US" smtClean="0"/>
-              <a:t>6/24/2024</a:t>
+              <a:t>7/19/2024</a:t>
             </a:fld>
             <a:endParaRPr lang="en-US"/>
           </a:p>
@@ -1974,7 +1974,7 @@
           <a:p>
             <a:fld id="{1D36DD91-353E-44A9-8B3B-B0665B534353}" type="datetimeFigureOut">
               <a:rPr lang="en-US" smtClean="0"/>
-              <a:t>6/24/2024</a:t>
+              <a:t>7/19/2024</a:t>
             </a:fld>
             <a:endParaRPr lang="en-US"/>
           </a:p>
@@ -2087,7 +2087,7 @@
           <a:p>
             <a:fld id="{1D36DD91-353E-44A9-8B3B-B0665B534353}" type="datetimeFigureOut">
               <a:rPr lang="en-US" smtClean="0"/>
-              <a:t>6/24/2024</a:t>
+              <a:t>7/19/2024</a:t>
             </a:fld>
             <a:endParaRPr lang="en-US"/>
           </a:p>
@@ -2398,7 +2398,7 @@
           <a:p>
             <a:fld id="{1D36DD91-353E-44A9-8B3B-B0665B534353}" type="datetimeFigureOut">
               <a:rPr lang="en-US" smtClean="0"/>
-              <a:t>6/24/2024</a:t>
+              <a:t>7/19/2024</a:t>
             </a:fld>
             <a:endParaRPr lang="en-US"/>
           </a:p>
@@ -2686,7 +2686,7 @@
           <a:p>
             <a:fld id="{1D36DD91-353E-44A9-8B3B-B0665B534353}" type="datetimeFigureOut">
               <a:rPr lang="en-US" smtClean="0"/>
-              <a:t>6/24/2024</a:t>
+              <a:t>7/19/2024</a:t>
             </a:fld>
             <a:endParaRPr lang="en-US"/>
           </a:p>
@@ -2927,7 +2927,7 @@
           <a:p>
             <a:fld id="{1D36DD91-353E-44A9-8B3B-B0665B534353}" type="datetimeFigureOut">
               <a:rPr lang="en-US" smtClean="0"/>
-              <a:t>6/24/2024</a:t>
+              <a:t>7/19/2024</a:t>
             </a:fld>
             <a:endParaRPr lang="en-US"/>
           </a:p>
@@ -3505,10 +3505,10 @@
       </p:sp>
       <p:pic>
         <p:nvPicPr>
-          <p:cNvPr id="3" name="Picture 2" descr="A screenshot of a computer&#10;&#10;Description automatically generated">
-            <a:extLst>
-              <a:ext uri="{FF2B5EF4-FFF2-40B4-BE49-F238E27FC236}">
-                <a16:creationId xmlns:a16="http://schemas.microsoft.com/office/drawing/2014/main" id="{58A4AAAB-1D22-C8CE-157D-B9253C6F25A4}"/>
+          <p:cNvPr id="5" name="Picture 4" descr="A screenshot of a computer&#10;&#10;Description automatically generated">
+            <a:extLst>
+              <a:ext uri="{FF2B5EF4-FFF2-40B4-BE49-F238E27FC236}">
+                <a16:creationId xmlns:a16="http://schemas.microsoft.com/office/drawing/2014/main" id="{3FB5D3CC-5EF1-EB47-2421-736704191324}"/>
               </a:ext>
             </a:extLst>
           </p:cNvPr>
@@ -3531,8 +3531,8 @@
         </p:blipFill>
         <p:spPr>
           <a:xfrm>
-            <a:off x="1591871" y="317320"/>
-            <a:ext cx="9008258" cy="6385286"/>
+            <a:off x="1832738" y="248167"/>
+            <a:ext cx="8526524" cy="6523591"/>
           </a:xfrm>
           <a:prstGeom prst="rect">
             <a:avLst/>

--- a/presentations/CosmosAIGraph-v2.pptx
+++ b/presentations/CosmosAIGraph-v2.pptx
@@ -277,7 +277,7 @@
           <a:p>
             <a:fld id="{1D36DD91-353E-44A9-8B3B-B0665B534353}" type="datetimeFigureOut">
               <a:rPr lang="en-US" smtClean="0"/>
-              <a:t>7/19/2024</a:t>
+              <a:t>9/4/2024</a:t>
             </a:fld>
             <a:endParaRPr lang="en-US"/>
           </a:p>
@@ -475,7 +475,7 @@
           <a:p>
             <a:fld id="{1D36DD91-353E-44A9-8B3B-B0665B534353}" type="datetimeFigureOut">
               <a:rPr lang="en-US" smtClean="0"/>
-              <a:t>7/19/2024</a:t>
+              <a:t>9/4/2024</a:t>
             </a:fld>
             <a:endParaRPr lang="en-US"/>
           </a:p>
@@ -683,7 +683,7 @@
           <a:p>
             <a:fld id="{1D36DD91-353E-44A9-8B3B-B0665B534353}" type="datetimeFigureOut">
               <a:rPr lang="en-US" smtClean="0"/>
-              <a:t>7/19/2024</a:t>
+              <a:t>9/4/2024</a:t>
             </a:fld>
             <a:endParaRPr lang="en-US"/>
           </a:p>
@@ -881,7 +881,7 @@
           <a:p>
             <a:fld id="{1D36DD91-353E-44A9-8B3B-B0665B534353}" type="datetimeFigureOut">
               <a:rPr lang="en-US" smtClean="0"/>
-              <a:t>7/19/2024</a:t>
+              <a:t>9/4/2024</a:t>
             </a:fld>
             <a:endParaRPr lang="en-US"/>
           </a:p>
@@ -1156,7 +1156,7 @@
           <a:p>
             <a:fld id="{1D36DD91-353E-44A9-8B3B-B0665B534353}" type="datetimeFigureOut">
               <a:rPr lang="en-US" smtClean="0"/>
-              <a:t>7/19/2024</a:t>
+              <a:t>9/4/2024</a:t>
             </a:fld>
             <a:endParaRPr lang="en-US"/>
           </a:p>
@@ -1421,7 +1421,7 @@
           <a:p>
             <a:fld id="{1D36DD91-353E-44A9-8B3B-B0665B534353}" type="datetimeFigureOut">
               <a:rPr lang="en-US" smtClean="0"/>
-              <a:t>7/19/2024</a:t>
+              <a:t>9/4/2024</a:t>
             </a:fld>
             <a:endParaRPr lang="en-US"/>
           </a:p>
@@ -1833,7 +1833,7 @@
           <a:p>
             <a:fld id="{1D36DD91-353E-44A9-8B3B-B0665B534353}" type="datetimeFigureOut">
               <a:rPr lang="en-US" smtClean="0"/>
-              <a:t>7/19/2024</a:t>
+              <a:t>9/4/2024</a:t>
             </a:fld>
             <a:endParaRPr lang="en-US"/>
           </a:p>
@@ -1974,7 +1974,7 @@
           <a:p>
             <a:fld id="{1D36DD91-353E-44A9-8B3B-B0665B534353}" type="datetimeFigureOut">
               <a:rPr lang="en-US" smtClean="0"/>
-              <a:t>7/19/2024</a:t>
+              <a:t>9/4/2024</a:t>
             </a:fld>
             <a:endParaRPr lang="en-US"/>
           </a:p>
@@ -2087,7 +2087,7 @@
           <a:p>
             <a:fld id="{1D36DD91-353E-44A9-8B3B-B0665B534353}" type="datetimeFigureOut">
               <a:rPr lang="en-US" smtClean="0"/>
-              <a:t>7/19/2024</a:t>
+              <a:t>9/4/2024</a:t>
             </a:fld>
             <a:endParaRPr lang="en-US"/>
           </a:p>
@@ -2398,7 +2398,7 @@
           <a:p>
             <a:fld id="{1D36DD91-353E-44A9-8B3B-B0665B534353}" type="datetimeFigureOut">
               <a:rPr lang="en-US" smtClean="0"/>
-              <a:t>7/19/2024</a:t>
+              <a:t>9/4/2024</a:t>
             </a:fld>
             <a:endParaRPr lang="en-US"/>
           </a:p>
@@ -2686,7 +2686,7 @@
           <a:p>
             <a:fld id="{1D36DD91-353E-44A9-8B3B-B0665B534353}" type="datetimeFigureOut">
               <a:rPr lang="en-US" smtClean="0"/>
-              <a:t>7/19/2024</a:t>
+              <a:t>9/4/2024</a:t>
             </a:fld>
             <a:endParaRPr lang="en-US"/>
           </a:p>
@@ -2927,7 +2927,7 @@
           <a:p>
             <a:fld id="{1D36DD91-353E-44A9-8B3B-B0665B534353}" type="datetimeFigureOut">
               <a:rPr lang="en-US" smtClean="0"/>
-              <a:t>7/19/2024</a:t>
+              <a:t>9/4/2024</a:t>
             </a:fld>
             <a:endParaRPr lang="en-US"/>
           </a:p>
@@ -3505,10 +3505,10 @@
       </p:sp>
       <p:pic>
         <p:nvPicPr>
-          <p:cNvPr id="5" name="Picture 4" descr="A screenshot of a computer&#10;&#10;Description automatically generated">
-            <a:extLst>
-              <a:ext uri="{FF2B5EF4-FFF2-40B4-BE49-F238E27FC236}">
-                <a16:creationId xmlns:a16="http://schemas.microsoft.com/office/drawing/2014/main" id="{3FB5D3CC-5EF1-EB47-2421-736704191324}"/>
+          <p:cNvPr id="3" name="Picture 2" descr="A screenshot of a computer&#10;&#10;Description automatically generated">
+            <a:extLst>
+              <a:ext uri="{FF2B5EF4-FFF2-40B4-BE49-F238E27FC236}">
+                <a16:creationId xmlns:a16="http://schemas.microsoft.com/office/drawing/2014/main" id="{5DAE9768-4F7A-1C22-B385-E396E0ECBA12}"/>
               </a:ext>
             </a:extLst>
           </p:cNvPr>
@@ -3531,8 +3531,8 @@
         </p:blipFill>
         <p:spPr>
           <a:xfrm>
-            <a:off x="1832738" y="248167"/>
-            <a:ext cx="8526524" cy="6523591"/>
+            <a:off x="1706871" y="92681"/>
+            <a:ext cx="8778257" cy="6672637"/>
           </a:xfrm>
           <a:prstGeom prst="rect">
             <a:avLst/>
@@ -3599,10 +3599,10 @@
       </p:sp>
       <p:pic>
         <p:nvPicPr>
-          <p:cNvPr id="5" name="Picture 4" descr="A diagram of a company&#10;&#10;Description automatically generated">
-            <a:extLst>
-              <a:ext uri="{FF2B5EF4-FFF2-40B4-BE49-F238E27FC236}">
-                <a16:creationId xmlns:a16="http://schemas.microsoft.com/office/drawing/2014/main" id="{A2393A34-66EB-1E48-C092-ADC6A6F1E0DD}"/>
+          <p:cNvPr id="3" name="Picture 2" descr="A diagram of a company&#10;&#10;Description automatically generated">
+            <a:extLst>
+              <a:ext uri="{FF2B5EF4-FFF2-40B4-BE49-F238E27FC236}">
+                <a16:creationId xmlns:a16="http://schemas.microsoft.com/office/drawing/2014/main" id="{C0B06FAF-4A93-761B-AF5E-942E432994EB}"/>
               </a:ext>
             </a:extLst>
           </p:cNvPr>
@@ -3625,8 +3625,8 @@
         </p:blipFill>
         <p:spPr>
           <a:xfrm>
-            <a:off x="1609725" y="384351"/>
-            <a:ext cx="8277225" cy="6317900"/>
+            <a:off x="1781751" y="226647"/>
+            <a:ext cx="8628498" cy="6566632"/>
           </a:xfrm>
           <a:prstGeom prst="rect">
             <a:avLst/>
@@ -4387,7 +4387,7 @@
                   <a:srgbClr val="C00000"/>
                 </a:solidFill>
               </a:rPr>
-              <a:t>Hybrid RAG</a:t>
+              <a:t>Omni RAG</a:t>
             </a:r>
             <a:r>
               <a:rPr lang="en-US" b="1" dirty="0"/>
@@ -4443,14 +4443,18 @@
             </a:r>
             <a:r>
               <a:rPr lang="en-US" dirty="0"/>
-              <a:t>:  aka.ms/</a:t>
-            </a:r>
-            <a:r>
-              <a:rPr lang="en-US" dirty="0" err="1"/>
+              <a:t>:  </a:t>
+            </a:r>
+            <a:r>
+              <a:rPr lang="en-US" b="1" dirty="0"/>
+              <a:t>aka.ms/</a:t>
+            </a:r>
+            <a:r>
+              <a:rPr lang="en-US" b="1" dirty="0" err="1"/>
               <a:t>caig</a:t>
             </a:r>
             <a:r>
-              <a:rPr lang="en-US" dirty="0"/>
+              <a:rPr lang="en-US" b="1" dirty="0"/>
               <a:t> </a:t>
             </a:r>
           </a:p>
@@ -4843,7 +4847,7 @@
             </a:r>
             <a:r>
               <a:rPr lang="en-US" dirty="0"/>
-              <a:t> solution, 12/23-5/24</a:t>
+              <a:t> solution</a:t>
             </a:r>
           </a:p>
           <a:p>
@@ -5056,8 +5060,12 @@
               <a:t>vCore</a:t>
             </a:r>
             <a:r>
+              <a:rPr lang="en-US" sz="2200" b="1" dirty="0"/>
+              <a:t> or NoSQL </a:t>
+            </a:r>
+            <a:r>
               <a:rPr lang="en-US" sz="2200" dirty="0"/>
-              <a:t> PaaS service.  Supports </a:t>
+              <a:t>PaaS service.  Supports </a:t>
             </a:r>
             <a:r>
               <a:rPr lang="en-US" sz="2200" b="1" dirty="0"/>
@@ -5218,13 +5226,8 @@
             </a:r>
             <a:r>
               <a:rPr lang="en-US" b="1" dirty="0"/>
-              <a:t>Cosmos DB </a:t>
-            </a:r>
-            <a:r>
-              <a:rPr lang="en-US" b="1" dirty="0" err="1"/>
-              <a:t>vCore</a:t>
-            </a:r>
-            <a:endParaRPr lang="en-US" b="1" dirty="0"/>
+              <a:t>Cosmos DB</a:t>
+            </a:r>
           </a:p>
           <a:p>
             <a:pPr marL="342900" indent="-342900" algn="l">
@@ -5245,7 +5248,7 @@
                   <a:srgbClr val="C00000"/>
                 </a:solidFill>
               </a:rPr>
-              <a:t>Hybrid RAG</a:t>
+              <a:t>Omni RAG</a:t>
             </a:r>
           </a:p>
           <a:p>
@@ -5255,7 +5258,7 @@
             </a:pPr>
             <a:r>
               <a:rPr lang="en-US" sz="2200" b="1" i="1" dirty="0"/>
-              <a:t>Why Hybrid RAG?  </a:t>
+              <a:t>Why Omni RAG?  </a:t>
             </a:r>
             <a:r>
               <a:rPr lang="en-US" sz="2200" dirty="0"/>
@@ -5731,15 +5734,7 @@
             </a:pPr>
             <a:r>
               <a:rPr lang="en-US" sz="4200" b="1" dirty="0"/>
-              <a:t>Design and load your Cosmos DB Mongo </a:t>
-            </a:r>
-            <a:r>
-              <a:rPr lang="en-US" sz="4200" b="1" dirty="0" err="1"/>
-              <a:t>vCore</a:t>
-            </a:r>
-            <a:r>
-              <a:rPr lang="en-US" sz="4200" b="1" dirty="0"/>
-              <a:t> account</a:t>
+              <a:t>Design and load your Cosmos DB account</a:t>
             </a:r>
           </a:p>
           <a:p>
@@ -6050,7 +6045,7 @@
         </p:spPr>
         <p:txBody>
           <a:bodyPr>
-            <a:normAutofit fontScale="92500" lnSpcReduction="10000"/>
+            <a:normAutofit fontScale="92500" lnSpcReduction="20000"/>
           </a:bodyPr>
           <a:lstStyle/>
           <a:p>
@@ -6251,6 +6246,19 @@
                 <a:hlinkClick r:id="rId3"/>
               </a:rPr>
               <a:t>https://learn.microsoft.com/en-us/azure/cosmos-db/mongodb/vcore/vector-search</a:t>
+            </a:r>
+            <a:endParaRPr lang="en-US" sz="1900" dirty="0"/>
+          </a:p>
+          <a:p>
+            <a:pPr marL="1257300" lvl="2" indent="-342900" algn="l">
+              <a:buFont typeface="Arial" panose="020B0604020202020204" pitchFamily="34" charset="0"/>
+              <a:buChar char="•"/>
+            </a:pPr>
+            <a:r>
+              <a:rPr lang="en-US" sz="1900" dirty="0">
+                <a:hlinkClick r:id="rId4"/>
+              </a:rPr>
+              <a:t>https://learn.microsoft.com/en-us/azure/cosmos-db/nosql/vector-search</a:t>
             </a:r>
             <a:endParaRPr lang="en-US" sz="1900" dirty="0"/>
           </a:p>

--- a/presentations/CosmosAIGraph-v2.pptx
+++ b/presentations/CosmosAIGraph-v2.pptx
@@ -277,7 +277,7 @@
           <a:p>
             <a:fld id="{1D36DD91-353E-44A9-8B3B-B0665B534353}" type="datetimeFigureOut">
               <a:rPr lang="en-US" smtClean="0"/>
-              <a:t>9/4/2024</a:t>
+              <a:t>9/9/2024</a:t>
             </a:fld>
             <a:endParaRPr lang="en-US"/>
           </a:p>
@@ -475,7 +475,7 @@
           <a:p>
             <a:fld id="{1D36DD91-353E-44A9-8B3B-B0665B534353}" type="datetimeFigureOut">
               <a:rPr lang="en-US" smtClean="0"/>
-              <a:t>9/4/2024</a:t>
+              <a:t>9/9/2024</a:t>
             </a:fld>
             <a:endParaRPr lang="en-US"/>
           </a:p>
@@ -683,7 +683,7 @@
           <a:p>
             <a:fld id="{1D36DD91-353E-44A9-8B3B-B0665B534353}" type="datetimeFigureOut">
               <a:rPr lang="en-US" smtClean="0"/>
-              <a:t>9/4/2024</a:t>
+              <a:t>9/9/2024</a:t>
             </a:fld>
             <a:endParaRPr lang="en-US"/>
           </a:p>
@@ -881,7 +881,7 @@
           <a:p>
             <a:fld id="{1D36DD91-353E-44A9-8B3B-B0665B534353}" type="datetimeFigureOut">
               <a:rPr lang="en-US" smtClean="0"/>
-              <a:t>9/4/2024</a:t>
+              <a:t>9/9/2024</a:t>
             </a:fld>
             <a:endParaRPr lang="en-US"/>
           </a:p>
@@ -1156,7 +1156,7 @@
           <a:p>
             <a:fld id="{1D36DD91-353E-44A9-8B3B-B0665B534353}" type="datetimeFigureOut">
               <a:rPr lang="en-US" smtClean="0"/>
-              <a:t>9/4/2024</a:t>
+              <a:t>9/9/2024</a:t>
             </a:fld>
             <a:endParaRPr lang="en-US"/>
           </a:p>
@@ -1421,7 +1421,7 @@
           <a:p>
             <a:fld id="{1D36DD91-353E-44A9-8B3B-B0665B534353}" type="datetimeFigureOut">
               <a:rPr lang="en-US" smtClean="0"/>
-              <a:t>9/4/2024</a:t>
+              <a:t>9/9/2024</a:t>
             </a:fld>
             <a:endParaRPr lang="en-US"/>
           </a:p>
@@ -1833,7 +1833,7 @@
           <a:p>
             <a:fld id="{1D36DD91-353E-44A9-8B3B-B0665B534353}" type="datetimeFigureOut">
               <a:rPr lang="en-US" smtClean="0"/>
-              <a:t>9/4/2024</a:t>
+              <a:t>9/9/2024</a:t>
             </a:fld>
             <a:endParaRPr lang="en-US"/>
           </a:p>
@@ -1974,7 +1974,7 @@
           <a:p>
             <a:fld id="{1D36DD91-353E-44A9-8B3B-B0665B534353}" type="datetimeFigureOut">
               <a:rPr lang="en-US" smtClean="0"/>
-              <a:t>9/4/2024</a:t>
+              <a:t>9/9/2024</a:t>
             </a:fld>
             <a:endParaRPr lang="en-US"/>
           </a:p>
@@ -2087,7 +2087,7 @@
           <a:p>
             <a:fld id="{1D36DD91-353E-44A9-8B3B-B0665B534353}" type="datetimeFigureOut">
               <a:rPr lang="en-US" smtClean="0"/>
-              <a:t>9/4/2024</a:t>
+              <a:t>9/9/2024</a:t>
             </a:fld>
             <a:endParaRPr lang="en-US"/>
           </a:p>
@@ -2398,7 +2398,7 @@
           <a:p>
             <a:fld id="{1D36DD91-353E-44A9-8B3B-B0665B534353}" type="datetimeFigureOut">
               <a:rPr lang="en-US" smtClean="0"/>
-              <a:t>9/4/2024</a:t>
+              <a:t>9/9/2024</a:t>
             </a:fld>
             <a:endParaRPr lang="en-US"/>
           </a:p>
@@ -2686,7 +2686,7 @@
           <a:p>
             <a:fld id="{1D36DD91-353E-44A9-8B3B-B0665B534353}" type="datetimeFigureOut">
               <a:rPr lang="en-US" smtClean="0"/>
-              <a:t>9/4/2024</a:t>
+              <a:t>9/9/2024</a:t>
             </a:fld>
             <a:endParaRPr lang="en-US"/>
           </a:p>
@@ -2927,7 +2927,7 @@
           <a:p>
             <a:fld id="{1D36DD91-353E-44A9-8B3B-B0665B534353}" type="datetimeFigureOut">
               <a:rPr lang="en-US" smtClean="0"/>
-              <a:t>9/4/2024</a:t>
+              <a:t>9/9/2024</a:t>
             </a:fld>
             <a:endParaRPr lang="en-US"/>
           </a:p>
@@ -3505,10 +3505,10 @@
       </p:sp>
       <p:pic>
         <p:nvPicPr>
-          <p:cNvPr id="3" name="Picture 2" descr="A screenshot of a computer&#10;&#10;Description automatically generated">
-            <a:extLst>
-              <a:ext uri="{FF2B5EF4-FFF2-40B4-BE49-F238E27FC236}">
-                <a16:creationId xmlns:a16="http://schemas.microsoft.com/office/drawing/2014/main" id="{5DAE9768-4F7A-1C22-B385-E396E0ECBA12}"/>
+          <p:cNvPr id="5" name="Picture 4" descr="A screenshot of a computer&#10;&#10;Description automatically generated">
+            <a:extLst>
+              <a:ext uri="{FF2B5EF4-FFF2-40B4-BE49-F238E27FC236}">
+                <a16:creationId xmlns:a16="http://schemas.microsoft.com/office/drawing/2014/main" id="{75DDC76B-C962-AC9F-C108-05E40D6535A2}"/>
               </a:ext>
             </a:extLst>
           </p:cNvPr>
@@ -3531,8 +3531,8 @@
         </p:blipFill>
         <p:spPr>
           <a:xfrm>
-            <a:off x="1706871" y="92681"/>
-            <a:ext cx="8778257" cy="6672637"/>
+            <a:off x="1711444" y="45846"/>
+            <a:ext cx="8769112" cy="6664670"/>
           </a:xfrm>
           <a:prstGeom prst="rect">
             <a:avLst/>
